--- a/Sprint-1 2.pptx
+++ b/Sprint-1 2.pptx
@@ -1,22 +1,22 @@
 
 <file path=ppt/presentation.xml><?xml version="1.0" encoding="utf-8"?>
-<p:presentation xmlns:a="http://schemas.openxmlformats.org/drawingml/2006/main" xmlns:r="http://schemas.openxmlformats.org/officeDocument/2006/relationships" xmlns:p="http://schemas.openxmlformats.org/presentationml/2006/main" xmlns:m="http://schemas.openxmlformats.org/officeDocument/2006/math" xmlns:a14="http://schemas.microsoft.com/office/drawing/2010/main">
+<p:presentation xmlns:a="http://schemas.openxmlformats.org/drawingml/2006/main" xmlns:r="http://schemas.openxmlformats.org/officeDocument/2006/relationships" xmlns:p="http://schemas.openxmlformats.org/presentationml/2006/main">
   <p:sldMasterIdLst>
-    <p:sldMasterId id="2147483648" r:id="rId5"/>
+    <p:sldMasterId id="2147483648" r:id="rId1"/>
   </p:sldMasterIdLst>
   <p:notesMasterIdLst>
-    <p:notesMasterId r:id="rId7"/>
+    <p:notesMasterId r:id="rId11"/>
   </p:notesMasterIdLst>
   <p:sldIdLst>
-    <p:sldId id="256" r:id="rId8"/>
-    <p:sldId id="257" r:id="rId9"/>
-    <p:sldId id="258" r:id="rId10"/>
-    <p:sldId id="259" r:id="rId11"/>
-    <p:sldId id="260" r:id="rId12"/>
-    <p:sldId id="261" r:id="rId13"/>
-    <p:sldId id="262" r:id="rId14"/>
-    <p:sldId id="263" r:id="rId15"/>
-    <p:sldId id="264" r:id="rId16"/>
+    <p:sldId id="256" r:id="rId2"/>
+    <p:sldId id="257" r:id="rId3"/>
+    <p:sldId id="258" r:id="rId4"/>
+    <p:sldId id="259" r:id="rId5"/>
+    <p:sldId id="260" r:id="rId6"/>
+    <p:sldId id="261" r:id="rId7"/>
+    <p:sldId id="262" r:id="rId8"/>
+    <p:sldId id="263" r:id="rId9"/>
+    <p:sldId id="264" r:id="rId10"/>
   </p:sldIdLst>
   <p:sldSz cx="12192000" cy="6858000"/>
   <p:notesSz cx="6858000" cy="9144000"/>
@@ -36,7 +36,7 @@
       <a:buFontTx/>
       <a:buNone/>
       <a:tabLst/>
-      <a:defRPr b="0" baseline="0" cap="none" i="0" spc="0" strike="noStrike" sz="1800" u="none" kumimoji="0" normalizeH="0">
+      <a:defRPr kumimoji="0" sz="1800" b="0" i="0" u="none" strike="noStrike" cap="none" spc="0" normalizeH="0" baseline="0">
         <a:ln>
           <a:noFill/>
         </a:ln>
@@ -62,7 +62,7 @@
       <a:buFontTx/>
       <a:buNone/>
       <a:tabLst/>
-      <a:defRPr b="0" baseline="0" cap="none" i="0" spc="0" strike="noStrike" sz="1800" u="none" kumimoji="0" normalizeH="0">
+      <a:defRPr kumimoji="0" sz="1800" b="0" i="0" u="none" strike="noStrike" cap="none" spc="0" normalizeH="0" baseline="0">
         <a:ln>
           <a:noFill/>
         </a:ln>
@@ -92,7 +92,7 @@
       <a:buFontTx/>
       <a:buNone/>
       <a:tabLst/>
-      <a:defRPr b="0" baseline="0" cap="none" i="0" spc="0" strike="noStrike" sz="1800" u="none" kumimoji="0" normalizeH="0">
+      <a:defRPr kumimoji="0" sz="1800" b="0" i="0" u="none" strike="noStrike" cap="none" spc="0" normalizeH="0" baseline="0">
         <a:ln>
           <a:noFill/>
         </a:ln>
@@ -122,7 +122,7 @@
       <a:buFontTx/>
       <a:buNone/>
       <a:tabLst/>
-      <a:defRPr b="0" baseline="0" cap="none" i="0" spc="0" strike="noStrike" sz="1800" u="none" kumimoji="0" normalizeH="0">
+      <a:defRPr kumimoji="0" sz="1800" b="0" i="0" u="none" strike="noStrike" cap="none" spc="0" normalizeH="0" baseline="0">
         <a:ln>
           <a:noFill/>
         </a:ln>
@@ -152,7 +152,7 @@
       <a:buFontTx/>
       <a:buNone/>
       <a:tabLst/>
-      <a:defRPr b="0" baseline="0" cap="none" i="0" spc="0" strike="noStrike" sz="1800" u="none" kumimoji="0" normalizeH="0">
+      <a:defRPr kumimoji="0" sz="1800" b="0" i="0" u="none" strike="noStrike" cap="none" spc="0" normalizeH="0" baseline="0">
         <a:ln>
           <a:noFill/>
         </a:ln>
@@ -182,7 +182,7 @@
       <a:buFontTx/>
       <a:buNone/>
       <a:tabLst/>
-      <a:defRPr b="0" baseline="0" cap="none" i="0" spc="0" strike="noStrike" sz="1800" u="none" kumimoji="0" normalizeH="0">
+      <a:defRPr kumimoji="0" sz="1800" b="0" i="0" u="none" strike="noStrike" cap="none" spc="0" normalizeH="0" baseline="0">
         <a:ln>
           <a:noFill/>
         </a:ln>
@@ -212,7 +212,7 @@
       <a:buFontTx/>
       <a:buNone/>
       <a:tabLst/>
-      <a:defRPr b="0" baseline="0" cap="none" i="0" spc="0" strike="noStrike" sz="1800" u="none" kumimoji="0" normalizeH="0">
+      <a:defRPr kumimoji="0" sz="1800" b="0" i="0" u="none" strike="noStrike" cap="none" spc="0" normalizeH="0" baseline="0">
         <a:ln>
           <a:noFill/>
         </a:ln>
@@ -242,7 +242,7 @@
       <a:buFontTx/>
       <a:buNone/>
       <a:tabLst/>
-      <a:defRPr b="0" baseline="0" cap="none" i="0" spc="0" strike="noStrike" sz="1800" u="none" kumimoji="0" normalizeH="0">
+      <a:defRPr kumimoji="0" sz="1800" b="0" i="0" u="none" strike="noStrike" cap="none" spc="0" normalizeH="0" baseline="0">
         <a:ln>
           <a:noFill/>
         </a:ln>
@@ -272,7 +272,7 @@
       <a:buFontTx/>
       <a:buNone/>
       <a:tabLst/>
-      <a:defRPr b="0" baseline="0" cap="none" i="0" spc="0" strike="noStrike" sz="1800" u="none" kumimoji="0" normalizeH="0">
+      <a:defRPr kumimoji="0" sz="1800" b="0" i="0" u="none" strike="noStrike" cap="none" spc="0" normalizeH="0" baseline="0">
         <a:ln>
           <a:noFill/>
         </a:ln>
@@ -302,7 +302,7 @@
       <a:buFontTx/>
       <a:buNone/>
       <a:tabLst/>
-      <a:defRPr b="0" baseline="0" cap="none" i="0" spc="0" strike="noStrike" sz="1800" u="none" kumimoji="0" normalizeH="0">
+      <a:defRPr kumimoji="0" sz="1800" b="0" i="0" u="none" strike="noStrike" cap="none" spc="0" normalizeH="0" baseline="0">
         <a:ln>
           <a:noFill/>
         </a:ln>
@@ -321,13 +321,14 @@
 </p:presentation>
 </file>
 
-<file path=ppt/commentAuthors.xml><?xml version="1.0" encoding="utf-8"?>
-<p:cmAuthorLst xmlns:a="http://schemas.openxmlformats.org/drawingml/2006/main" xmlns:r="http://schemas.openxmlformats.org/officeDocument/2006/relationships" xmlns:p="http://schemas.openxmlformats.org/presentationml/2006/main" xmlns:m="http://schemas.openxmlformats.org/officeDocument/2006/math" xmlns:a14="http://schemas.microsoft.com/office/drawing/2010/main"/>
-</file>
-
 <file path=ppt/notesMasters/notesMaster1.xml><?xml version="1.0" encoding="utf-8"?>
-<p:notesMaster xmlns:a="http://schemas.openxmlformats.org/drawingml/2006/main" xmlns:r="http://schemas.openxmlformats.org/officeDocument/2006/relationships" xmlns:p="http://schemas.openxmlformats.org/presentationml/2006/main" xmlns:m="http://schemas.openxmlformats.org/officeDocument/2006/math" xmlns:a14="http://schemas.microsoft.com/office/drawing/2010/main">
+<p:notesMaster xmlns:a="http://schemas.openxmlformats.org/drawingml/2006/main" xmlns:r="http://schemas.openxmlformats.org/officeDocument/2006/relationships" xmlns:p="http://schemas.openxmlformats.org/presentationml/2006/main">
   <p:cSld>
+    <p:bg>
+      <p:bgRef idx="1001">
+        <a:schemeClr val="bg1"/>
+      </p:bgRef>
+    </p:bg>
     <p:spTree>
       <p:nvGrpSpPr>
         <p:cNvPr id="1" name=""/>
@@ -345,7 +346,9 @@
       <p:sp>
         <p:nvSpPr>
           <p:cNvPr id="220" name="Shape 220"/>
-          <p:cNvSpPr/>
+          <p:cNvSpPr>
+            <a:spLocks noGrp="1" noRot="1" noChangeAspect="1"/>
+          </p:cNvSpPr>
           <p:nvPr>
             <p:ph type="sldImg"/>
           </p:nvPr>
@@ -363,14 +366,16 @@
           <a:bodyPr/>
           <a:lstStyle/>
           <a:p>
-            <a:pPr/>
+            <a:endParaRPr/>
           </a:p>
         </p:txBody>
       </p:sp>
       <p:sp>
         <p:nvSpPr>
           <p:cNvPr id="221" name="Shape 221"/>
-          <p:cNvSpPr/>
+          <p:cNvSpPr>
+            <a:spLocks noGrp="1"/>
+          </p:cNvSpPr>
           <p:nvPr>
             <p:ph type="body" sz="quarter" idx="1"/>
           </p:nvPr>
@@ -388,7 +393,7 @@
           <a:bodyPr/>
           <a:lstStyle/>
           <a:p>
-            <a:pPr/>
+            <a:endParaRPr/>
           </a:p>
         </p:txBody>
       </p:sp>
@@ -500,7 +505,7 @@
 </file>
 
 <file path=ppt/slideLayouts/slideLayout1.xml><?xml version="1.0" encoding="utf-8"?>
-<p:sldLayout xmlns:a="http://schemas.openxmlformats.org/drawingml/2006/main" xmlns:r="http://schemas.openxmlformats.org/officeDocument/2006/relationships" xmlns:p="http://schemas.openxmlformats.org/presentationml/2006/main" xmlns:m="http://schemas.openxmlformats.org/officeDocument/2006/math" xmlns:a14="http://schemas.microsoft.com/office/drawing/2010/main" type="title" showMasterSp="0" showMasterPhAnim="1">
+<p:sldLayout xmlns:a="http://schemas.openxmlformats.org/drawingml/2006/main" xmlns:r="http://schemas.openxmlformats.org/officeDocument/2006/relationships" xmlns:p="http://schemas.openxmlformats.org/presentationml/2006/main" showMasterSp="0" type="title">
   <p:cSld name="Úvodní snímek">
     <p:spTree>
       <p:nvGrpSpPr>
@@ -527,7 +532,6 @@
         <p:blipFill>
           <a:blip r:embed="rId2">
             <a:alphaModFix amt="10000"/>
-            <a:extLst/>
           </a:blip>
           <a:stretch>
             <a:fillRect/>
@@ -555,9 +559,7 @@
           <p:nvPr/>
         </p:nvPicPr>
         <p:blipFill>
-          <a:blip r:embed="rId3">
-            <a:extLst/>
-          </a:blip>
+          <a:blip r:embed="rId3"/>
           <a:stretch>
             <a:fillRect/>
           </a:stretch>
@@ -584,9 +586,7 @@
           <p:nvPr/>
         </p:nvPicPr>
         <p:blipFill>
-          <a:blip r:embed="rId4">
-            <a:extLst/>
-          </a:blip>
+          <a:blip r:embed="rId4"/>
           <a:stretch>
             <a:fillRect/>
           </a:stretch>
@@ -636,6 +636,7 @@
                 </a:solidFill>
               </a:defRPr>
             </a:pPr>
+            <a:endParaRPr/>
           </a:p>
         </p:txBody>
       </p:sp>
@@ -671,13 +672,16 @@
                 </a:solidFill>
               </a:defRPr>
             </a:pPr>
+            <a:endParaRPr/>
           </a:p>
         </p:txBody>
       </p:sp>
       <p:sp>
         <p:nvSpPr>
           <p:cNvPr id="18" name="Текст заголовка"/>
-          <p:cNvSpPr txBox="1"/>
+          <p:cNvSpPr txBox="1">
+            <a:spLocks noGrp="1"/>
+          </p:cNvSpPr>
           <p:nvPr>
             <p:ph type="title"/>
           </p:nvPr>
@@ -699,7 +703,6 @@
             </a:lvl1pPr>
           </a:lstStyle>
           <a:p>
-            <a:pPr/>
             <a:r>
               <a:t>Текст заголовка</a:t>
             </a:r>
@@ -709,7 +712,9 @@
       <p:sp>
         <p:nvSpPr>
           <p:cNvPr id="19" name="Уровень текста 1…"/>
-          <p:cNvSpPr txBox="1"/>
+          <p:cNvSpPr txBox="1">
+            <a:spLocks noGrp="1"/>
+          </p:cNvSpPr>
           <p:nvPr>
             <p:ph type="body" sz="quarter" idx="1"/>
           </p:nvPr>
@@ -758,7 +763,6 @@
             </a:lvl5pPr>
           </a:lstStyle>
           <a:p>
-            <a:pPr/>
             <a:r>
               <a:t>Уровень текста 1</a:t>
             </a:r>
@@ -792,7 +796,9 @@
       <p:sp>
         <p:nvSpPr>
           <p:cNvPr id="20" name="Номер слайда"/>
-          <p:cNvSpPr txBox="1"/>
+          <p:cNvSpPr txBox="1">
+            <a:spLocks noGrp="1"/>
+          </p:cNvSpPr>
           <p:nvPr>
             <p:ph type="sldNum" sz="quarter" idx="2"/>
           </p:nvPr>
@@ -810,8 +816,10 @@
           <a:bodyPr/>
           <a:lstStyle/>
           <a:p>
-            <a:pPr/>
-            <a:fld id="{86CB4B4D-7CA3-9044-876B-883B54F8677D}" type="slidenum"/>
+            <a:fld id="{86CB4B4D-7CA3-9044-876B-883B54F8677D}" type="slidenum">
+              <a:t>‹#›</a:t>
+            </a:fld>
+            <a:endParaRPr/>
           </a:p>
         </p:txBody>
       </p:sp>
@@ -820,12 +828,12 @@
   <p:clrMapOvr>
     <a:masterClrMapping/>
   </p:clrMapOvr>
-  <p:transition xmlns:p14="http://schemas.microsoft.com/office/powerpoint/2010/main" spd="med" advClick="1"/>
+  <p:transition spd="med"/>
 </p:sldLayout>
 </file>
 
 <file path=ppt/slideLayouts/slideLayout10.xml><?xml version="1.0" encoding="utf-8"?>
-<p:sldLayout xmlns:a="http://schemas.openxmlformats.org/drawingml/2006/main" xmlns:r="http://schemas.openxmlformats.org/officeDocument/2006/relationships" xmlns:p="http://schemas.openxmlformats.org/presentationml/2006/main" xmlns:m="http://schemas.openxmlformats.org/officeDocument/2006/math" xmlns:a14="http://schemas.microsoft.com/office/drawing/2010/main" type="tx" showMasterSp="0" showMasterPhAnim="1">
+<p:sldLayout xmlns:a="http://schemas.openxmlformats.org/drawingml/2006/main" xmlns:r="http://schemas.openxmlformats.org/officeDocument/2006/relationships" xmlns:p="http://schemas.openxmlformats.org/presentationml/2006/main" showMasterSp="0" type="tx">
   <p:cSld name="Panoramatický obrázek s popiskem">
     <p:spTree>
       <p:nvGrpSpPr>
@@ -850,9 +858,7 @@
           <p:nvPr/>
         </p:nvPicPr>
         <p:blipFill>
-          <a:blip r:embed="rId2">
-            <a:extLst/>
-          </a:blip>
+          <a:blip r:embed="rId2"/>
           <a:stretch>
             <a:fillRect/>
           </a:stretch>
@@ -879,9 +885,7 @@
           <p:nvPr/>
         </p:nvPicPr>
         <p:blipFill>
-          <a:blip r:embed="rId3">
-            <a:extLst/>
-          </a:blip>
+          <a:blip r:embed="rId3"/>
           <a:stretch>
             <a:fillRect/>
           </a:stretch>
@@ -931,6 +935,7 @@
                 </a:solidFill>
               </a:defRPr>
             </a:pPr>
+            <a:endParaRPr/>
           </a:p>
         </p:txBody>
       </p:sp>
@@ -966,13 +971,16 @@
                 </a:solidFill>
               </a:defRPr>
             </a:pPr>
+            <a:endParaRPr/>
           </a:p>
         </p:txBody>
       </p:sp>
       <p:sp>
         <p:nvSpPr>
           <p:cNvPr id="131" name="Текст заголовка"/>
-          <p:cNvSpPr txBox="1"/>
+          <p:cNvSpPr txBox="1">
+            <a:spLocks noGrp="1"/>
+          </p:cNvSpPr>
           <p:nvPr>
             <p:ph type="title"/>
           </p:nvPr>
@@ -994,7 +1002,6 @@
             </a:lvl1pPr>
           </a:lstStyle>
           <a:p>
-            <a:pPr/>
             <a:r>
               <a:t>Текст заголовка</a:t>
             </a:r>
@@ -1004,7 +1011,9 @@
       <p:sp>
         <p:nvSpPr>
           <p:cNvPr id="132" name="Picture Placeholder 2"/>
-          <p:cNvSpPr/>
+          <p:cNvSpPr>
+            <a:spLocks noGrp="1"/>
+          </p:cNvSpPr>
           <p:nvPr>
             <p:ph type="pic" idx="21"/>
           </p:nvPr>
@@ -1018,7 +1027,7 @@
             <a:avLst/>
           </a:prstGeom>
           <a:effectLst>
-            <a:outerShdw sx="100000" sy="100000" kx="0" ky="0" algn="b" rotWithShape="0" blurRad="76200" dist="63500" dir="5040000">
+            <a:outerShdw blurRad="76200" dist="63500" dir="5040000" rotWithShape="0">
               <a:srgbClr val="000000">
                 <a:alpha val="41000"/>
               </a:srgbClr>
@@ -1031,14 +1040,16 @@
           </a:bodyPr>
           <a:lstStyle/>
           <a:p>
-            <a:pPr/>
+            <a:endParaRPr/>
           </a:p>
         </p:txBody>
       </p:sp>
       <p:sp>
         <p:nvSpPr>
           <p:cNvPr id="133" name="Уровень текста 1…"/>
-          <p:cNvSpPr txBox="1"/>
+          <p:cNvSpPr txBox="1">
+            <a:spLocks noGrp="1"/>
+          </p:cNvSpPr>
           <p:nvPr>
             <p:ph type="body" sz="quarter" idx="1"/>
           </p:nvPr>
@@ -1087,7 +1098,6 @@
             </a:lvl5pPr>
           </a:lstStyle>
           <a:p>
-            <a:pPr/>
             <a:r>
               <a:t>Уровень текста 1</a:t>
             </a:r>
@@ -1121,7 +1131,9 @@
       <p:sp>
         <p:nvSpPr>
           <p:cNvPr id="134" name="Номер слайда"/>
-          <p:cNvSpPr txBox="1"/>
+          <p:cNvSpPr txBox="1">
+            <a:spLocks noGrp="1"/>
+          </p:cNvSpPr>
           <p:nvPr>
             <p:ph type="sldNum" sz="quarter" idx="2"/>
           </p:nvPr>
@@ -1139,8 +1151,10 @@
           <a:bodyPr/>
           <a:lstStyle/>
           <a:p>
-            <a:pPr/>
-            <a:fld id="{86CB4B4D-7CA3-9044-876B-883B54F8677D}" type="slidenum"/>
+            <a:fld id="{86CB4B4D-7CA3-9044-876B-883B54F8677D}" type="slidenum">
+              <a:t>‹#›</a:t>
+            </a:fld>
+            <a:endParaRPr/>
           </a:p>
         </p:txBody>
       </p:sp>
@@ -1149,12 +1163,12 @@
   <p:clrMapOvr>
     <a:masterClrMapping/>
   </p:clrMapOvr>
-  <p:transition xmlns:p14="http://schemas.microsoft.com/office/powerpoint/2010/main" spd="med" advClick="1"/>
+  <p:transition spd="med"/>
 </p:sldLayout>
 </file>
 
 <file path=ppt/slideLayouts/slideLayout11.xml><?xml version="1.0" encoding="utf-8"?>
-<p:sldLayout xmlns:a="http://schemas.openxmlformats.org/drawingml/2006/main" xmlns:r="http://schemas.openxmlformats.org/officeDocument/2006/relationships" xmlns:p="http://schemas.openxmlformats.org/presentationml/2006/main" xmlns:m="http://schemas.openxmlformats.org/officeDocument/2006/math" xmlns:a14="http://schemas.microsoft.com/office/drawing/2010/main" type="tx" showMasterSp="0" showMasterPhAnim="1">
+<p:sldLayout xmlns:a="http://schemas.openxmlformats.org/drawingml/2006/main" xmlns:r="http://schemas.openxmlformats.org/officeDocument/2006/relationships" xmlns:p="http://schemas.openxmlformats.org/presentationml/2006/main" showMasterSp="0" type="tx">
   <p:cSld name="Název a popisek">
     <p:spTree>
       <p:nvGrpSpPr>
@@ -1179,9 +1193,7 @@
           <p:nvPr/>
         </p:nvPicPr>
         <p:blipFill>
-          <a:blip r:embed="rId2">
-            <a:extLst/>
-          </a:blip>
+          <a:blip r:embed="rId2"/>
           <a:stretch>
             <a:fillRect/>
           </a:stretch>
@@ -1231,6 +1243,7 @@
                 </a:solidFill>
               </a:defRPr>
             </a:pPr>
+            <a:endParaRPr/>
           </a:p>
         </p:txBody>
       </p:sp>
@@ -1266,13 +1279,16 @@
                 </a:solidFill>
               </a:defRPr>
             </a:pPr>
+            <a:endParaRPr/>
           </a:p>
         </p:txBody>
       </p:sp>
       <p:sp>
         <p:nvSpPr>
           <p:cNvPr id="144" name="Текст заголовка"/>
-          <p:cNvSpPr txBox="1"/>
+          <p:cNvSpPr txBox="1">
+            <a:spLocks noGrp="1"/>
+          </p:cNvSpPr>
           <p:nvPr>
             <p:ph type="title"/>
           </p:nvPr>
@@ -1294,7 +1310,6 @@
             </a:lvl1pPr>
           </a:lstStyle>
           <a:p>
-            <a:pPr/>
             <a:r>
               <a:t>Текст заголовка</a:t>
             </a:r>
@@ -1304,7 +1319,9 @@
       <p:sp>
         <p:nvSpPr>
           <p:cNvPr id="145" name="Уровень текста 1…"/>
-          <p:cNvSpPr txBox="1"/>
+          <p:cNvSpPr txBox="1">
+            <a:spLocks noGrp="1"/>
+          </p:cNvSpPr>
           <p:nvPr>
             <p:ph type="body" sz="quarter" idx="1"/>
           </p:nvPr>
@@ -1353,7 +1370,6 @@
             </a:lvl5pPr>
           </a:lstStyle>
           <a:p>
-            <a:pPr/>
             <a:r>
               <a:t>Уровень текста 1</a:t>
             </a:r>
@@ -1387,7 +1403,9 @@
       <p:sp>
         <p:nvSpPr>
           <p:cNvPr id="146" name="Номер слайда"/>
-          <p:cNvSpPr txBox="1"/>
+          <p:cNvSpPr txBox="1">
+            <a:spLocks noGrp="1"/>
+          </p:cNvSpPr>
           <p:nvPr>
             <p:ph type="sldNum" sz="quarter" idx="2"/>
           </p:nvPr>
@@ -1405,8 +1423,10 @@
           <a:bodyPr/>
           <a:lstStyle/>
           <a:p>
-            <a:pPr/>
-            <a:fld id="{86CB4B4D-7CA3-9044-876B-883B54F8677D}" type="slidenum"/>
+            <a:fld id="{86CB4B4D-7CA3-9044-876B-883B54F8677D}" type="slidenum">
+              <a:t>‹#›</a:t>
+            </a:fld>
+            <a:endParaRPr/>
           </a:p>
         </p:txBody>
       </p:sp>
@@ -1415,12 +1435,12 @@
   <p:clrMapOvr>
     <a:masterClrMapping/>
   </p:clrMapOvr>
-  <p:transition xmlns:p14="http://schemas.microsoft.com/office/powerpoint/2010/main" spd="med" advClick="1"/>
+  <p:transition spd="med"/>
 </p:sldLayout>
 </file>
 
 <file path=ppt/slideLayouts/slideLayout12.xml><?xml version="1.0" encoding="utf-8"?>
-<p:sldLayout xmlns:a="http://schemas.openxmlformats.org/drawingml/2006/main" xmlns:r="http://schemas.openxmlformats.org/officeDocument/2006/relationships" xmlns:p="http://schemas.openxmlformats.org/presentationml/2006/main" xmlns:m="http://schemas.openxmlformats.org/officeDocument/2006/math" xmlns:a14="http://schemas.microsoft.com/office/drawing/2010/main" type="tx" showMasterSp="0" showMasterPhAnim="1">
+<p:sldLayout xmlns:a="http://schemas.openxmlformats.org/drawingml/2006/main" xmlns:r="http://schemas.openxmlformats.org/officeDocument/2006/relationships" xmlns:p="http://schemas.openxmlformats.org/presentationml/2006/main" showMasterSp="0" type="tx">
   <p:cSld name="Citace s popiskem">
     <p:spTree>
       <p:nvGrpSpPr>
@@ -1445,9 +1465,7 @@
           <p:nvPr/>
         </p:nvPicPr>
         <p:blipFill>
-          <a:blip r:embed="rId2">
-            <a:extLst/>
-          </a:blip>
+          <a:blip r:embed="rId2"/>
           <a:stretch>
             <a:fillRect/>
           </a:stretch>
@@ -1474,9 +1492,7 @@
           <p:nvPr/>
         </p:nvPicPr>
         <p:blipFill>
-          <a:blip r:embed="rId3">
-            <a:extLst/>
-          </a:blip>
+          <a:blip r:embed="rId3"/>
           <a:stretch>
             <a:fillRect/>
           </a:stretch>
@@ -1526,6 +1542,7 @@
                 </a:solidFill>
               </a:defRPr>
             </a:pPr>
+            <a:endParaRPr/>
           </a:p>
         </p:txBody>
       </p:sp>
@@ -1561,13 +1578,16 @@
                 </a:solidFill>
               </a:defRPr>
             </a:pPr>
+            <a:endParaRPr/>
           </a:p>
         </p:txBody>
       </p:sp>
       <p:sp>
         <p:nvSpPr>
           <p:cNvPr id="157" name="Текст заголовка"/>
-          <p:cNvSpPr txBox="1"/>
+          <p:cNvSpPr txBox="1">
+            <a:spLocks noGrp="1"/>
+          </p:cNvSpPr>
           <p:nvPr>
             <p:ph type="title"/>
           </p:nvPr>
@@ -1589,7 +1609,6 @@
             </a:lvl1pPr>
           </a:lstStyle>
           <a:p>
-            <a:pPr/>
             <a:r>
               <a:t>Текст заголовка</a:t>
             </a:r>
@@ -1599,7 +1618,9 @@
       <p:sp>
         <p:nvSpPr>
           <p:cNvPr id="158" name="Уровень текста 1…"/>
-          <p:cNvSpPr txBox="1"/>
+          <p:cNvSpPr txBox="1">
+            <a:spLocks noGrp="1"/>
+          </p:cNvSpPr>
           <p:nvPr>
             <p:ph type="body" sz="quarter" idx="1"/>
           </p:nvPr>
@@ -1648,7 +1669,6 @@
             </a:lvl5pPr>
           </a:lstStyle>
           <a:p>
-            <a:pPr/>
             <a:r>
               <a:t>Уровень текста 1</a:t>
             </a:r>
@@ -1682,7 +1702,9 @@
       <p:sp>
         <p:nvSpPr>
           <p:cNvPr id="159" name="Text Placeholder 3"/>
-          <p:cNvSpPr/>
+          <p:cNvSpPr>
+            <a:spLocks noGrp="1"/>
+          </p:cNvSpPr>
           <p:nvPr>
             <p:ph type="body" sz="quarter" idx="21"/>
           </p:nvPr>
@@ -1706,6 +1728,7 @@
               <a:buNone/>
               <a:defRPr sz="1600"/>
             </a:pPr>
+            <a:endParaRPr/>
           </a:p>
         </p:txBody>
       </p:sp>
@@ -1728,7 +1751,7 @@
           </a:ln>
           <a:extLst>
             <a:ext uri="{C572A759-6A51-4108-AA02-DFA0A04FC94B}">
-              <ma14:wrappingTextBoxFlag xmlns:ma14="http://schemas.microsoft.com/office/mac/drawingml/2011/main" val="1"/>
+              <ma14:wrappingTextBoxFlag xmlns:ma14="http://schemas.microsoft.com/office/mac/drawingml/2011/main" xmlns:a14="http://schemas.microsoft.com/office/drawing/2010/main" xmlns:m="http://schemas.openxmlformats.org/officeDocument/2006/math" xmlns="" val="1"/>
             </a:ext>
           </a:extLst>
         </p:spPr>
@@ -1738,7 +1761,7 @@
           </a:bodyPr>
           <a:lstStyle>
             <a:lvl1pPr>
-              <a:defRPr cap="all" sz="7200">
+              <a:defRPr sz="7200" cap="all">
                 <a:solidFill>
                   <a:srgbClr val="F2F2F2"/>
                 </a:solidFill>
@@ -1746,7 +1769,6 @@
             </a:lvl1pPr>
           </a:lstStyle>
           <a:p>
-            <a:pPr/>
             <a:r>
               <a:t>“</a:t>
             </a:r>
@@ -1772,7 +1794,7 @@
           </a:ln>
           <a:extLst>
             <a:ext uri="{C572A759-6A51-4108-AA02-DFA0A04FC94B}">
-              <ma14:wrappingTextBoxFlag xmlns:ma14="http://schemas.microsoft.com/office/mac/drawingml/2011/main" val="1"/>
+              <ma14:wrappingTextBoxFlag xmlns:ma14="http://schemas.microsoft.com/office/mac/drawingml/2011/main" xmlns:a14="http://schemas.microsoft.com/office/drawing/2010/main" xmlns:m="http://schemas.openxmlformats.org/officeDocument/2006/math" xmlns="" val="1"/>
             </a:ext>
           </a:extLst>
         </p:spPr>
@@ -1782,7 +1804,7 @@
           </a:bodyPr>
           <a:lstStyle>
             <a:lvl1pPr algn="r">
-              <a:defRPr cap="all" sz="7200">
+              <a:defRPr sz="7200" cap="all">
                 <a:solidFill>
                   <a:srgbClr val="F2F2F2"/>
                 </a:solidFill>
@@ -1790,7 +1812,6 @@
             </a:lvl1pPr>
           </a:lstStyle>
           <a:p>
-            <a:pPr/>
             <a:r>
               <a:t>”</a:t>
             </a:r>
@@ -1800,7 +1821,9 @@
       <p:sp>
         <p:nvSpPr>
           <p:cNvPr id="162" name="Номер слайда"/>
-          <p:cNvSpPr txBox="1"/>
+          <p:cNvSpPr txBox="1">
+            <a:spLocks noGrp="1"/>
+          </p:cNvSpPr>
           <p:nvPr>
             <p:ph type="sldNum" sz="quarter" idx="2"/>
           </p:nvPr>
@@ -1818,8 +1841,10 @@
           <a:bodyPr/>
           <a:lstStyle/>
           <a:p>
-            <a:pPr/>
-            <a:fld id="{86CB4B4D-7CA3-9044-876B-883B54F8677D}" type="slidenum"/>
+            <a:fld id="{86CB4B4D-7CA3-9044-876B-883B54F8677D}" type="slidenum">
+              <a:t>‹#›</a:t>
+            </a:fld>
+            <a:endParaRPr/>
           </a:p>
         </p:txBody>
       </p:sp>
@@ -1828,12 +1853,12 @@
   <p:clrMapOvr>
     <a:masterClrMapping/>
   </p:clrMapOvr>
-  <p:transition xmlns:p14="http://schemas.microsoft.com/office/powerpoint/2010/main" spd="med" advClick="1"/>
+  <p:transition spd="med"/>
 </p:sldLayout>
 </file>
 
 <file path=ppt/slideLayouts/slideLayout13.xml><?xml version="1.0" encoding="utf-8"?>
-<p:sldLayout xmlns:a="http://schemas.openxmlformats.org/drawingml/2006/main" xmlns:r="http://schemas.openxmlformats.org/officeDocument/2006/relationships" xmlns:p="http://schemas.openxmlformats.org/presentationml/2006/main" xmlns:m="http://schemas.openxmlformats.org/officeDocument/2006/math" xmlns:a14="http://schemas.microsoft.com/office/drawing/2010/main" type="tx" showMasterSp="0" showMasterPhAnim="1">
+<p:sldLayout xmlns:a="http://schemas.openxmlformats.org/drawingml/2006/main" xmlns:r="http://schemas.openxmlformats.org/officeDocument/2006/relationships" xmlns:p="http://schemas.openxmlformats.org/presentationml/2006/main" showMasterSp="0" type="tx">
   <p:cSld name="Jmenovka">
     <p:spTree>
       <p:nvGrpSpPr>
@@ -1858,9 +1883,7 @@
           <p:nvPr/>
         </p:nvPicPr>
         <p:blipFill>
-          <a:blip r:embed="rId2">
-            <a:extLst/>
-          </a:blip>
+          <a:blip r:embed="rId2"/>
           <a:stretch>
             <a:fillRect/>
           </a:stretch>
@@ -1887,9 +1910,7 @@
           <p:nvPr/>
         </p:nvPicPr>
         <p:blipFill>
-          <a:blip r:embed="rId3">
-            <a:extLst/>
-          </a:blip>
+          <a:blip r:embed="rId3"/>
           <a:stretch>
             <a:fillRect/>
           </a:stretch>
@@ -1939,6 +1960,7 @@
                 </a:solidFill>
               </a:defRPr>
             </a:pPr>
+            <a:endParaRPr/>
           </a:p>
         </p:txBody>
       </p:sp>
@@ -1974,13 +1996,16 @@
                 </a:solidFill>
               </a:defRPr>
             </a:pPr>
+            <a:endParaRPr/>
           </a:p>
         </p:txBody>
       </p:sp>
       <p:sp>
         <p:nvSpPr>
           <p:cNvPr id="173" name="Текст заголовка"/>
-          <p:cNvSpPr txBox="1"/>
+          <p:cNvSpPr txBox="1">
+            <a:spLocks noGrp="1"/>
+          </p:cNvSpPr>
           <p:nvPr>
             <p:ph type="title"/>
           </p:nvPr>
@@ -2002,7 +2027,6 @@
             </a:lvl1pPr>
           </a:lstStyle>
           <a:p>
-            <a:pPr/>
             <a:r>
               <a:t>Текст заголовка</a:t>
             </a:r>
@@ -2012,7 +2036,9 @@
       <p:sp>
         <p:nvSpPr>
           <p:cNvPr id="174" name="Уровень текста 1…"/>
-          <p:cNvSpPr txBox="1"/>
+          <p:cNvSpPr txBox="1">
+            <a:spLocks noGrp="1"/>
+          </p:cNvSpPr>
           <p:nvPr>
             <p:ph type="body" sz="quarter" idx="1"/>
           </p:nvPr>
@@ -2061,7 +2087,6 @@
             </a:lvl5pPr>
           </a:lstStyle>
           <a:p>
-            <a:pPr/>
             <a:r>
               <a:t>Уровень текста 1</a:t>
             </a:r>
@@ -2095,7 +2120,9 @@
       <p:sp>
         <p:nvSpPr>
           <p:cNvPr id="175" name="Номер слайда"/>
-          <p:cNvSpPr txBox="1"/>
+          <p:cNvSpPr txBox="1">
+            <a:spLocks noGrp="1"/>
+          </p:cNvSpPr>
           <p:nvPr>
             <p:ph type="sldNum" sz="quarter" idx="2"/>
           </p:nvPr>
@@ -2113,8 +2140,10 @@
           <a:bodyPr/>
           <a:lstStyle/>
           <a:p>
-            <a:pPr/>
-            <a:fld id="{86CB4B4D-7CA3-9044-876B-883B54F8677D}" type="slidenum"/>
+            <a:fld id="{86CB4B4D-7CA3-9044-876B-883B54F8677D}" type="slidenum">
+              <a:t>‹#›</a:t>
+            </a:fld>
+            <a:endParaRPr/>
           </a:p>
         </p:txBody>
       </p:sp>
@@ -2123,12 +2152,12 @@
   <p:clrMapOvr>
     <a:masterClrMapping/>
   </p:clrMapOvr>
-  <p:transition xmlns:p14="http://schemas.microsoft.com/office/powerpoint/2010/main" spd="med" advClick="1"/>
+  <p:transition spd="med"/>
 </p:sldLayout>
 </file>
 
 <file path=ppt/slideLayouts/slideLayout14.xml><?xml version="1.0" encoding="utf-8"?>
-<p:sldLayout xmlns:a="http://schemas.openxmlformats.org/drawingml/2006/main" xmlns:r="http://schemas.openxmlformats.org/officeDocument/2006/relationships" xmlns:p="http://schemas.openxmlformats.org/presentationml/2006/main" xmlns:m="http://schemas.openxmlformats.org/officeDocument/2006/math" xmlns:a14="http://schemas.microsoft.com/office/drawing/2010/main" type="tx" showMasterSp="0" showMasterPhAnim="1">
+<p:sldLayout xmlns:a="http://schemas.openxmlformats.org/drawingml/2006/main" xmlns:r="http://schemas.openxmlformats.org/officeDocument/2006/relationships" xmlns:p="http://schemas.openxmlformats.org/presentationml/2006/main" showMasterSp="0" type="tx">
   <p:cSld name="3 sloupce">
     <p:spTree>
       <p:nvGrpSpPr>
@@ -2153,9 +2182,7 @@
           <p:nvPr/>
         </p:nvPicPr>
         <p:blipFill>
-          <a:blip r:embed="rId2">
-            <a:extLst/>
-          </a:blip>
+          <a:blip r:embed="rId2"/>
           <a:stretch>
             <a:fillRect/>
           </a:stretch>
@@ -2182,9 +2209,7 @@
           <p:nvPr/>
         </p:nvPicPr>
         <p:blipFill>
-          <a:blip r:embed="rId3">
-            <a:extLst/>
-          </a:blip>
+          <a:blip r:embed="rId3"/>
           <a:stretch>
             <a:fillRect/>
           </a:stretch>
@@ -2234,6 +2259,7 @@
                 </a:solidFill>
               </a:defRPr>
             </a:pPr>
+            <a:endParaRPr/>
           </a:p>
         </p:txBody>
       </p:sp>
@@ -2269,13 +2295,16 @@
                 </a:solidFill>
               </a:defRPr>
             </a:pPr>
+            <a:endParaRPr/>
           </a:p>
         </p:txBody>
       </p:sp>
       <p:sp>
         <p:nvSpPr>
           <p:cNvPr id="186" name="Текст заголовка"/>
-          <p:cNvSpPr txBox="1"/>
+          <p:cNvSpPr txBox="1">
+            <a:spLocks noGrp="1"/>
+          </p:cNvSpPr>
           <p:nvPr>
             <p:ph type="title"/>
           </p:nvPr>
@@ -2293,7 +2322,6 @@
           <a:bodyPr/>
           <a:lstStyle/>
           <a:p>
-            <a:pPr/>
             <a:r>
               <a:t>Текст заголовка</a:t>
             </a:r>
@@ -2303,7 +2331,9 @@
       <p:sp>
         <p:nvSpPr>
           <p:cNvPr id="187" name="Уровень текста 1…"/>
-          <p:cNvSpPr txBox="1"/>
+          <p:cNvSpPr txBox="1">
+            <a:spLocks noGrp="1"/>
+          </p:cNvSpPr>
           <p:nvPr>
             <p:ph type="body" sz="quarter" idx="1"/>
           </p:nvPr>
@@ -2347,7 +2377,6 @@
             </a:lvl5pPr>
           </a:lstStyle>
           <a:p>
-            <a:pPr/>
             <a:r>
               <a:t>Уровень текста 1</a:t>
             </a:r>
@@ -2381,7 +2410,9 @@
       <p:sp>
         <p:nvSpPr>
           <p:cNvPr id="188" name="Text Placeholder 3"/>
-          <p:cNvSpPr/>
+          <p:cNvSpPr>
+            <a:spLocks noGrp="1"/>
+          </p:cNvSpPr>
           <p:nvPr>
             <p:ph type="body" sz="quarter" idx="21"/>
           </p:nvPr>
@@ -2405,13 +2436,16 @@
               <a:buNone/>
               <a:defRPr sz="1400"/>
             </a:pPr>
+            <a:endParaRPr/>
           </a:p>
         </p:txBody>
       </p:sp>
       <p:sp>
         <p:nvSpPr>
           <p:cNvPr id="189" name="Text Placeholder 4"/>
-          <p:cNvSpPr/>
+          <p:cNvSpPr>
+            <a:spLocks noGrp="1"/>
+          </p:cNvSpPr>
           <p:nvPr>
             <p:ph type="body" sz="quarter" idx="22"/>
           </p:nvPr>
@@ -2434,13 +2468,16 @@
               <a:buFontTx/>
               <a:buNone/>
             </a:pPr>
+            <a:endParaRPr/>
           </a:p>
         </p:txBody>
       </p:sp>
       <p:sp>
         <p:nvSpPr>
           <p:cNvPr id="190" name="Text Placeholder 3"/>
-          <p:cNvSpPr/>
+          <p:cNvSpPr>
+            <a:spLocks noGrp="1"/>
+          </p:cNvSpPr>
           <p:nvPr>
             <p:ph type="body" sz="quarter" idx="23"/>
           </p:nvPr>
@@ -2464,13 +2501,16 @@
               <a:buNone/>
               <a:defRPr sz="1400"/>
             </a:pPr>
+            <a:endParaRPr/>
           </a:p>
         </p:txBody>
       </p:sp>
       <p:sp>
         <p:nvSpPr>
           <p:cNvPr id="191" name="Text Placeholder 4"/>
-          <p:cNvSpPr/>
+          <p:cNvSpPr>
+            <a:spLocks noGrp="1"/>
+          </p:cNvSpPr>
           <p:nvPr>
             <p:ph type="body" sz="quarter" idx="24"/>
           </p:nvPr>
@@ -2493,13 +2533,16 @@
               <a:buFontTx/>
               <a:buNone/>
             </a:pPr>
+            <a:endParaRPr/>
           </a:p>
         </p:txBody>
       </p:sp>
       <p:sp>
         <p:nvSpPr>
           <p:cNvPr id="192" name="Text Placeholder 3"/>
-          <p:cNvSpPr/>
+          <p:cNvSpPr>
+            <a:spLocks noGrp="1"/>
+          </p:cNvSpPr>
           <p:nvPr>
             <p:ph type="body" sz="quarter" idx="25"/>
           </p:nvPr>
@@ -2523,13 +2566,16 @@
               <a:buNone/>
               <a:defRPr sz="1400"/>
             </a:pPr>
+            <a:endParaRPr/>
           </a:p>
         </p:txBody>
       </p:sp>
       <p:sp>
         <p:nvSpPr>
           <p:cNvPr id="193" name="Номер слайда"/>
-          <p:cNvSpPr txBox="1"/>
+          <p:cNvSpPr txBox="1">
+            <a:spLocks noGrp="1"/>
+          </p:cNvSpPr>
           <p:nvPr>
             <p:ph type="sldNum" sz="quarter" idx="2"/>
           </p:nvPr>
@@ -2543,8 +2589,10 @@
           <a:bodyPr/>
           <a:lstStyle/>
           <a:p>
-            <a:pPr/>
-            <a:fld id="{86CB4B4D-7CA3-9044-876B-883B54F8677D}" type="slidenum"/>
+            <a:fld id="{86CB4B4D-7CA3-9044-876B-883B54F8677D}" type="slidenum">
+              <a:t>‹#›</a:t>
+            </a:fld>
+            <a:endParaRPr/>
           </a:p>
         </p:txBody>
       </p:sp>
@@ -2553,12 +2601,12 @@
   <p:clrMapOvr>
     <a:masterClrMapping/>
   </p:clrMapOvr>
-  <p:transition xmlns:p14="http://schemas.microsoft.com/office/powerpoint/2010/main" spd="med" advClick="1"/>
+  <p:transition spd="med"/>
 </p:sldLayout>
 </file>
 
 <file path=ppt/slideLayouts/slideLayout15.xml><?xml version="1.0" encoding="utf-8"?>
-<p:sldLayout xmlns:a="http://schemas.openxmlformats.org/drawingml/2006/main" xmlns:r="http://schemas.openxmlformats.org/officeDocument/2006/relationships" xmlns:p="http://schemas.openxmlformats.org/presentationml/2006/main" xmlns:m="http://schemas.openxmlformats.org/officeDocument/2006/math" xmlns:a14="http://schemas.microsoft.com/office/drawing/2010/main" type="tx" showMasterSp="0" showMasterPhAnim="1">
+<p:sldLayout xmlns:a="http://schemas.openxmlformats.org/drawingml/2006/main" xmlns:r="http://schemas.openxmlformats.org/officeDocument/2006/relationships" xmlns:p="http://schemas.openxmlformats.org/presentationml/2006/main" showMasterSp="0" type="tx">
   <p:cSld name="3 sloupce s obrázky">
     <p:spTree>
       <p:nvGrpSpPr>
@@ -2583,9 +2631,7 @@
           <p:nvPr/>
         </p:nvPicPr>
         <p:blipFill>
-          <a:blip r:embed="rId2">
-            <a:extLst/>
-          </a:blip>
+          <a:blip r:embed="rId2"/>
           <a:stretch>
             <a:fillRect/>
           </a:stretch>
@@ -2612,9 +2658,7 @@
           <p:nvPr/>
         </p:nvPicPr>
         <p:blipFill>
-          <a:blip r:embed="rId3">
-            <a:extLst/>
-          </a:blip>
+          <a:blip r:embed="rId3"/>
           <a:stretch>
             <a:fillRect/>
           </a:stretch>
@@ -2664,6 +2708,7 @@
                 </a:solidFill>
               </a:defRPr>
             </a:pPr>
+            <a:endParaRPr/>
           </a:p>
         </p:txBody>
       </p:sp>
@@ -2699,13 +2744,16 @@
                 </a:solidFill>
               </a:defRPr>
             </a:pPr>
+            <a:endParaRPr/>
           </a:p>
         </p:txBody>
       </p:sp>
       <p:sp>
         <p:nvSpPr>
           <p:cNvPr id="204" name="Текст заголовка"/>
-          <p:cNvSpPr txBox="1"/>
+          <p:cNvSpPr txBox="1">
+            <a:spLocks noGrp="1"/>
+          </p:cNvSpPr>
           <p:nvPr>
             <p:ph type="title"/>
           </p:nvPr>
@@ -2723,7 +2771,6 @@
           <a:bodyPr/>
           <a:lstStyle/>
           <a:p>
-            <a:pPr/>
             <a:r>
               <a:t>Текст заголовка</a:t>
             </a:r>
@@ -2733,7 +2780,9 @@
       <p:sp>
         <p:nvSpPr>
           <p:cNvPr id="205" name="Уровень текста 1…"/>
-          <p:cNvSpPr txBox="1"/>
+          <p:cNvSpPr txBox="1">
+            <a:spLocks noGrp="1"/>
+          </p:cNvSpPr>
           <p:nvPr>
             <p:ph type="body" sz="quarter" idx="1"/>
           </p:nvPr>
@@ -2777,7 +2826,6 @@
             </a:lvl5pPr>
           </a:lstStyle>
           <a:p>
-            <a:pPr/>
             <a:r>
               <a:t>Уровень текста 1</a:t>
             </a:r>
@@ -2811,7 +2859,9 @@
       <p:sp>
         <p:nvSpPr>
           <p:cNvPr id="206" name="Picture Placeholder 2"/>
-          <p:cNvSpPr/>
+          <p:cNvSpPr>
+            <a:spLocks noGrp="1"/>
+          </p:cNvSpPr>
           <p:nvPr>
             <p:ph type="pic" sz="quarter" idx="21"/>
           </p:nvPr>
@@ -2825,7 +2875,7 @@
             <a:avLst/>
           </a:prstGeom>
           <a:effectLst>
-            <a:outerShdw sx="100000" sy="100000" kx="0" ky="0" algn="b" rotWithShape="0" blurRad="50800" dist="50800" dir="5400000">
+            <a:outerShdw blurRad="50800" dist="50800" dir="5400000" rotWithShape="0">
               <a:srgbClr val="000000">
                 <a:alpha val="43000"/>
               </a:srgbClr>
@@ -2838,14 +2888,16 @@
           </a:bodyPr>
           <a:lstStyle/>
           <a:p>
-            <a:pPr/>
+            <a:endParaRPr/>
           </a:p>
         </p:txBody>
       </p:sp>
       <p:sp>
         <p:nvSpPr>
           <p:cNvPr id="207" name="Text Placeholder 3"/>
-          <p:cNvSpPr/>
+          <p:cNvSpPr>
+            <a:spLocks noGrp="1"/>
+          </p:cNvSpPr>
           <p:nvPr>
             <p:ph type="body" sz="quarter" idx="22"/>
           </p:nvPr>
@@ -2869,13 +2921,16 @@
               <a:buNone/>
               <a:defRPr sz="1400"/>
             </a:pPr>
+            <a:endParaRPr/>
           </a:p>
         </p:txBody>
       </p:sp>
       <p:sp>
         <p:nvSpPr>
           <p:cNvPr id="208" name="Text Placeholder 4"/>
-          <p:cNvSpPr/>
+          <p:cNvSpPr>
+            <a:spLocks noGrp="1"/>
+          </p:cNvSpPr>
           <p:nvPr>
             <p:ph type="body" sz="quarter" idx="23"/>
           </p:nvPr>
@@ -2898,13 +2953,16 @@
               <a:buFontTx/>
               <a:buNone/>
             </a:pPr>
+            <a:endParaRPr/>
           </a:p>
         </p:txBody>
       </p:sp>
       <p:sp>
         <p:nvSpPr>
           <p:cNvPr id="209" name="Picture Placeholder 2"/>
-          <p:cNvSpPr/>
+          <p:cNvSpPr>
+            <a:spLocks noGrp="1"/>
+          </p:cNvSpPr>
           <p:nvPr>
             <p:ph type="pic" sz="quarter" idx="24"/>
           </p:nvPr>
@@ -2918,7 +2976,7 @@
             <a:avLst/>
           </a:prstGeom>
           <a:effectLst>
-            <a:outerShdw sx="100000" sy="100000" kx="0" ky="0" algn="b" rotWithShape="0" blurRad="50800" dist="50800" dir="5400000">
+            <a:outerShdw blurRad="50800" dist="50800" dir="5400000" rotWithShape="0">
               <a:srgbClr val="000000">
                 <a:alpha val="43000"/>
               </a:srgbClr>
@@ -2931,14 +2989,16 @@
           </a:bodyPr>
           <a:lstStyle/>
           <a:p>
-            <a:pPr/>
+            <a:endParaRPr/>
           </a:p>
         </p:txBody>
       </p:sp>
       <p:sp>
         <p:nvSpPr>
           <p:cNvPr id="210" name="Text Placeholder 3"/>
-          <p:cNvSpPr/>
+          <p:cNvSpPr>
+            <a:spLocks noGrp="1"/>
+          </p:cNvSpPr>
           <p:nvPr>
             <p:ph type="body" sz="quarter" idx="25"/>
           </p:nvPr>
@@ -2962,13 +3022,16 @@
               <a:buNone/>
               <a:defRPr sz="1400"/>
             </a:pPr>
+            <a:endParaRPr/>
           </a:p>
         </p:txBody>
       </p:sp>
       <p:sp>
         <p:nvSpPr>
           <p:cNvPr id="211" name="Text Placeholder 4"/>
-          <p:cNvSpPr/>
+          <p:cNvSpPr>
+            <a:spLocks noGrp="1"/>
+          </p:cNvSpPr>
           <p:nvPr>
             <p:ph type="body" sz="quarter" idx="26"/>
           </p:nvPr>
@@ -2991,13 +3054,16 @@
               <a:buFontTx/>
               <a:buNone/>
             </a:pPr>
+            <a:endParaRPr/>
           </a:p>
         </p:txBody>
       </p:sp>
       <p:sp>
         <p:nvSpPr>
           <p:cNvPr id="212" name="Picture Placeholder 2"/>
-          <p:cNvSpPr/>
+          <p:cNvSpPr>
+            <a:spLocks noGrp="1"/>
+          </p:cNvSpPr>
           <p:nvPr>
             <p:ph type="pic" sz="quarter" idx="27"/>
           </p:nvPr>
@@ -3011,7 +3077,7 @@
             <a:avLst/>
           </a:prstGeom>
           <a:effectLst>
-            <a:outerShdw sx="100000" sy="100000" kx="0" ky="0" algn="b" rotWithShape="0" blurRad="50800" dist="50800" dir="5400000">
+            <a:outerShdw blurRad="50800" dist="50800" dir="5400000" rotWithShape="0">
               <a:srgbClr val="000000">
                 <a:alpha val="43000"/>
               </a:srgbClr>
@@ -3024,14 +3090,16 @@
           </a:bodyPr>
           <a:lstStyle/>
           <a:p>
-            <a:pPr/>
+            <a:endParaRPr/>
           </a:p>
         </p:txBody>
       </p:sp>
       <p:sp>
         <p:nvSpPr>
           <p:cNvPr id="213" name="Text Placeholder 3"/>
-          <p:cNvSpPr/>
+          <p:cNvSpPr>
+            <a:spLocks noGrp="1"/>
+          </p:cNvSpPr>
           <p:nvPr>
             <p:ph type="body" sz="quarter" idx="28"/>
           </p:nvPr>
@@ -3055,13 +3123,16 @@
               <a:buNone/>
               <a:defRPr sz="1400"/>
             </a:pPr>
+            <a:endParaRPr/>
           </a:p>
         </p:txBody>
       </p:sp>
       <p:sp>
         <p:nvSpPr>
           <p:cNvPr id="214" name="Номер слайда"/>
-          <p:cNvSpPr txBox="1"/>
+          <p:cNvSpPr txBox="1">
+            <a:spLocks noGrp="1"/>
+          </p:cNvSpPr>
           <p:nvPr>
             <p:ph type="sldNum" sz="quarter" idx="2"/>
           </p:nvPr>
@@ -3075,8 +3146,10 @@
           <a:bodyPr/>
           <a:lstStyle/>
           <a:p>
-            <a:pPr/>
-            <a:fld id="{86CB4B4D-7CA3-9044-876B-883B54F8677D}" type="slidenum"/>
+            <a:fld id="{86CB4B4D-7CA3-9044-876B-883B54F8677D}" type="slidenum">
+              <a:t>‹#›</a:t>
+            </a:fld>
+            <a:endParaRPr/>
           </a:p>
         </p:txBody>
       </p:sp>
@@ -3085,12 +3158,12 @@
   <p:clrMapOvr>
     <a:masterClrMapping/>
   </p:clrMapOvr>
-  <p:transition xmlns:p14="http://schemas.microsoft.com/office/powerpoint/2010/main" spd="med" advClick="1"/>
+  <p:transition spd="med"/>
 </p:sldLayout>
 </file>
 
 <file path=ppt/slideLayouts/slideLayout2.xml><?xml version="1.0" encoding="utf-8"?>
-<p:sldLayout xmlns:a="http://schemas.openxmlformats.org/drawingml/2006/main" xmlns:r="http://schemas.openxmlformats.org/officeDocument/2006/relationships" xmlns:p="http://schemas.openxmlformats.org/presentationml/2006/main" xmlns:m="http://schemas.openxmlformats.org/officeDocument/2006/math" xmlns:a14="http://schemas.microsoft.com/office/drawing/2010/main" type="tx" showMasterSp="0" showMasterPhAnim="1">
+<p:sldLayout xmlns:a="http://schemas.openxmlformats.org/drawingml/2006/main" xmlns:r="http://schemas.openxmlformats.org/officeDocument/2006/relationships" xmlns:p="http://schemas.openxmlformats.org/presentationml/2006/main" showMasterSp="0" type="tx">
   <p:cSld name="Nadpis a obsah">
     <p:spTree>
       <p:nvGrpSpPr>
@@ -3115,9 +3188,7 @@
           <p:nvPr/>
         </p:nvPicPr>
         <p:blipFill>
-          <a:blip r:embed="rId2">
-            <a:extLst/>
-          </a:blip>
+          <a:blip r:embed="rId2"/>
           <a:stretch>
             <a:fillRect/>
           </a:stretch>
@@ -3144,9 +3215,7 @@
           <p:nvPr/>
         </p:nvPicPr>
         <p:blipFill>
-          <a:blip r:embed="rId3">
-            <a:extLst/>
-          </a:blip>
+          <a:blip r:embed="rId3"/>
           <a:stretch>
             <a:fillRect/>
           </a:stretch>
@@ -3196,6 +3265,7 @@
                 </a:solidFill>
               </a:defRPr>
             </a:pPr>
+            <a:endParaRPr/>
           </a:p>
         </p:txBody>
       </p:sp>
@@ -3231,13 +3301,16 @@
                 </a:solidFill>
               </a:defRPr>
             </a:pPr>
+            <a:endParaRPr/>
           </a:p>
         </p:txBody>
       </p:sp>
       <p:sp>
         <p:nvSpPr>
           <p:cNvPr id="31" name="Текст заголовка"/>
-          <p:cNvSpPr txBox="1"/>
+          <p:cNvSpPr txBox="1">
+            <a:spLocks noGrp="1"/>
+          </p:cNvSpPr>
           <p:nvPr>
             <p:ph type="title"/>
           </p:nvPr>
@@ -3255,7 +3328,6 @@
           <a:bodyPr/>
           <a:lstStyle/>
           <a:p>
-            <a:pPr/>
             <a:r>
               <a:t>Текст заголовка</a:t>
             </a:r>
@@ -3265,7 +3337,9 @@
       <p:sp>
         <p:nvSpPr>
           <p:cNvPr id="32" name="Уровень текста 1…"/>
-          <p:cNvSpPr txBox="1"/>
+          <p:cNvSpPr txBox="1">
+            <a:spLocks noGrp="1"/>
+          </p:cNvSpPr>
           <p:nvPr>
             <p:ph type="body" idx="1"/>
           </p:nvPr>
@@ -3283,7 +3357,6 @@
           <a:bodyPr/>
           <a:lstStyle/>
           <a:p>
-            <a:pPr/>
             <a:r>
               <a:t>Уровень текста 1</a:t>
             </a:r>
@@ -3317,7 +3390,9 @@
       <p:sp>
         <p:nvSpPr>
           <p:cNvPr id="33" name="Номер слайда"/>
-          <p:cNvSpPr txBox="1"/>
+          <p:cNvSpPr txBox="1">
+            <a:spLocks noGrp="1"/>
+          </p:cNvSpPr>
           <p:nvPr>
             <p:ph type="sldNum" sz="quarter" idx="2"/>
           </p:nvPr>
@@ -3331,8 +3406,10 @@
           <a:bodyPr/>
           <a:lstStyle/>
           <a:p>
-            <a:pPr/>
-            <a:fld id="{86CB4B4D-7CA3-9044-876B-883B54F8677D}" type="slidenum"/>
+            <a:fld id="{86CB4B4D-7CA3-9044-876B-883B54F8677D}" type="slidenum">
+              <a:t>‹#›</a:t>
+            </a:fld>
+            <a:endParaRPr/>
           </a:p>
         </p:txBody>
       </p:sp>
@@ -3341,12 +3418,12 @@
   <p:clrMapOvr>
     <a:masterClrMapping/>
   </p:clrMapOvr>
-  <p:transition xmlns:p14="http://schemas.microsoft.com/office/powerpoint/2010/main" spd="med" advClick="1"/>
+  <p:transition spd="med"/>
 </p:sldLayout>
 </file>
 
 <file path=ppt/slideLayouts/slideLayout3.xml><?xml version="1.0" encoding="utf-8"?>
-<p:sldLayout xmlns:a="http://schemas.openxmlformats.org/drawingml/2006/main" xmlns:r="http://schemas.openxmlformats.org/officeDocument/2006/relationships" xmlns:p="http://schemas.openxmlformats.org/presentationml/2006/main" xmlns:m="http://schemas.openxmlformats.org/officeDocument/2006/math" xmlns:a14="http://schemas.microsoft.com/office/drawing/2010/main" type="tx" showMasterSp="0" showMasterPhAnim="1">
+<p:sldLayout xmlns:a="http://schemas.openxmlformats.org/drawingml/2006/main" xmlns:r="http://schemas.openxmlformats.org/officeDocument/2006/relationships" xmlns:p="http://schemas.openxmlformats.org/presentationml/2006/main" showMasterSp="0" type="tx">
   <p:cSld name="Záhlaví oddílu">
     <p:spTree>
       <p:nvGrpSpPr>
@@ -3371,9 +3448,7 @@
           <p:nvPr/>
         </p:nvPicPr>
         <p:blipFill>
-          <a:blip r:embed="rId2">
-            <a:extLst/>
-          </a:blip>
+          <a:blip r:embed="rId2"/>
           <a:stretch>
             <a:fillRect/>
           </a:stretch>
@@ -3400,9 +3475,7 @@
           <p:nvPr/>
         </p:nvPicPr>
         <p:blipFill>
-          <a:blip r:embed="rId3">
-            <a:extLst/>
-          </a:blip>
+          <a:blip r:embed="rId3"/>
           <a:stretch>
             <a:fillRect/>
           </a:stretch>
@@ -3452,6 +3525,7 @@
                 </a:solidFill>
               </a:defRPr>
             </a:pPr>
+            <a:endParaRPr/>
           </a:p>
         </p:txBody>
       </p:sp>
@@ -3487,13 +3561,16 @@
                 </a:solidFill>
               </a:defRPr>
             </a:pPr>
+            <a:endParaRPr/>
           </a:p>
         </p:txBody>
       </p:sp>
       <p:sp>
         <p:nvSpPr>
           <p:cNvPr id="44" name="Текст заголовка"/>
-          <p:cNvSpPr txBox="1"/>
+          <p:cNvSpPr txBox="1">
+            <a:spLocks noGrp="1"/>
+          </p:cNvSpPr>
           <p:nvPr>
             <p:ph type="title"/>
           </p:nvPr>
@@ -3513,7 +3590,6 @@
             <a:lvl1pPr algn="r"/>
           </a:lstStyle>
           <a:p>
-            <a:pPr/>
             <a:r>
               <a:t>Текст заголовка</a:t>
             </a:r>
@@ -3523,7 +3599,9 @@
       <p:sp>
         <p:nvSpPr>
           <p:cNvPr id="45" name="Уровень текста 1…"/>
-          <p:cNvSpPr txBox="1"/>
+          <p:cNvSpPr txBox="1">
+            <a:spLocks noGrp="1"/>
+          </p:cNvSpPr>
           <p:nvPr>
             <p:ph type="body" sz="quarter" idx="1"/>
           </p:nvPr>
@@ -3592,7 +3670,6 @@
             </a:lvl5pPr>
           </a:lstStyle>
           <a:p>
-            <a:pPr/>
             <a:r>
               <a:t>Уровень текста 1</a:t>
             </a:r>
@@ -3626,7 +3703,9 @@
       <p:sp>
         <p:nvSpPr>
           <p:cNvPr id="46" name="Номер слайда"/>
-          <p:cNvSpPr txBox="1"/>
+          <p:cNvSpPr txBox="1">
+            <a:spLocks noGrp="1"/>
+          </p:cNvSpPr>
           <p:nvPr>
             <p:ph type="sldNum" sz="quarter" idx="2"/>
           </p:nvPr>
@@ -3644,8 +3723,10 @@
           <a:bodyPr/>
           <a:lstStyle/>
           <a:p>
-            <a:pPr/>
-            <a:fld id="{86CB4B4D-7CA3-9044-876B-883B54F8677D}" type="slidenum"/>
+            <a:fld id="{86CB4B4D-7CA3-9044-876B-883B54F8677D}" type="slidenum">
+              <a:t>‹#›</a:t>
+            </a:fld>
+            <a:endParaRPr/>
           </a:p>
         </p:txBody>
       </p:sp>
@@ -3654,12 +3735,12 @@
   <p:clrMapOvr>
     <a:masterClrMapping/>
   </p:clrMapOvr>
-  <p:transition xmlns:p14="http://schemas.microsoft.com/office/powerpoint/2010/main" spd="med" advClick="1"/>
+  <p:transition spd="med"/>
 </p:sldLayout>
 </file>
 
 <file path=ppt/slideLayouts/slideLayout4.xml><?xml version="1.0" encoding="utf-8"?>
-<p:sldLayout xmlns:a="http://schemas.openxmlformats.org/drawingml/2006/main" xmlns:r="http://schemas.openxmlformats.org/officeDocument/2006/relationships" xmlns:p="http://schemas.openxmlformats.org/presentationml/2006/main" xmlns:m="http://schemas.openxmlformats.org/officeDocument/2006/math" xmlns:a14="http://schemas.microsoft.com/office/drawing/2010/main" type="tx" showMasterSp="0" showMasterPhAnim="1">
+<p:sldLayout xmlns:a="http://schemas.openxmlformats.org/drawingml/2006/main" xmlns:r="http://schemas.openxmlformats.org/officeDocument/2006/relationships" xmlns:p="http://schemas.openxmlformats.org/presentationml/2006/main" showMasterSp="0" type="tx">
   <p:cSld name="Dva obsahy">
     <p:spTree>
       <p:nvGrpSpPr>
@@ -3684,9 +3765,7 @@
           <p:nvPr/>
         </p:nvPicPr>
         <p:blipFill>
-          <a:blip r:embed="rId2">
-            <a:extLst/>
-          </a:blip>
+          <a:blip r:embed="rId2"/>
           <a:stretch>
             <a:fillRect/>
           </a:stretch>
@@ -3713,9 +3792,7 @@
           <p:nvPr/>
         </p:nvPicPr>
         <p:blipFill>
-          <a:blip r:embed="rId3">
-            <a:extLst/>
-          </a:blip>
+          <a:blip r:embed="rId3"/>
           <a:stretch>
             <a:fillRect/>
           </a:stretch>
@@ -3765,6 +3842,7 @@
                 </a:solidFill>
               </a:defRPr>
             </a:pPr>
+            <a:endParaRPr/>
           </a:p>
         </p:txBody>
       </p:sp>
@@ -3800,13 +3878,16 @@
                 </a:solidFill>
               </a:defRPr>
             </a:pPr>
+            <a:endParaRPr/>
           </a:p>
         </p:txBody>
       </p:sp>
       <p:sp>
         <p:nvSpPr>
           <p:cNvPr id="57" name="Текст заголовка"/>
-          <p:cNvSpPr txBox="1"/>
+          <p:cNvSpPr txBox="1">
+            <a:spLocks noGrp="1"/>
+          </p:cNvSpPr>
           <p:nvPr>
             <p:ph type="title"/>
           </p:nvPr>
@@ -3824,7 +3905,6 @@
           <a:bodyPr/>
           <a:lstStyle/>
           <a:p>
-            <a:pPr/>
             <a:r>
               <a:t>Текст заголовка</a:t>
             </a:r>
@@ -3834,7 +3914,9 @@
       <p:sp>
         <p:nvSpPr>
           <p:cNvPr id="58" name="Уровень текста 1…"/>
-          <p:cNvSpPr txBox="1"/>
+          <p:cNvSpPr txBox="1">
+            <a:spLocks noGrp="1"/>
+          </p:cNvSpPr>
           <p:nvPr>
             <p:ph type="body" sz="half" idx="1"/>
           </p:nvPr>
@@ -3852,7 +3934,6 @@
           <a:bodyPr/>
           <a:lstStyle/>
           <a:p>
-            <a:pPr/>
             <a:r>
               <a:t>Уровень текста 1</a:t>
             </a:r>
@@ -3886,7 +3967,9 @@
       <p:sp>
         <p:nvSpPr>
           <p:cNvPr id="59" name="Номер слайда"/>
-          <p:cNvSpPr txBox="1"/>
+          <p:cNvSpPr txBox="1">
+            <a:spLocks noGrp="1"/>
+          </p:cNvSpPr>
           <p:nvPr>
             <p:ph type="sldNum" sz="quarter" idx="2"/>
           </p:nvPr>
@@ -3900,8 +3983,10 @@
           <a:bodyPr/>
           <a:lstStyle/>
           <a:p>
-            <a:pPr/>
-            <a:fld id="{86CB4B4D-7CA3-9044-876B-883B54F8677D}" type="slidenum"/>
+            <a:fld id="{86CB4B4D-7CA3-9044-876B-883B54F8677D}" type="slidenum">
+              <a:t>‹#›</a:t>
+            </a:fld>
+            <a:endParaRPr/>
           </a:p>
         </p:txBody>
       </p:sp>
@@ -3910,12 +3995,12 @@
   <p:clrMapOvr>
     <a:masterClrMapping/>
   </p:clrMapOvr>
-  <p:transition xmlns:p14="http://schemas.microsoft.com/office/powerpoint/2010/main" spd="med" advClick="1"/>
+  <p:transition spd="med"/>
 </p:sldLayout>
 </file>
 
 <file path=ppt/slideLayouts/slideLayout5.xml><?xml version="1.0" encoding="utf-8"?>
-<p:sldLayout xmlns:a="http://schemas.openxmlformats.org/drawingml/2006/main" xmlns:r="http://schemas.openxmlformats.org/officeDocument/2006/relationships" xmlns:p="http://schemas.openxmlformats.org/presentationml/2006/main" xmlns:m="http://schemas.openxmlformats.org/officeDocument/2006/math" xmlns:a14="http://schemas.microsoft.com/office/drawing/2010/main" type="tx" showMasterSp="0" showMasterPhAnim="1">
+<p:sldLayout xmlns:a="http://schemas.openxmlformats.org/drawingml/2006/main" xmlns:r="http://schemas.openxmlformats.org/officeDocument/2006/relationships" xmlns:p="http://schemas.openxmlformats.org/presentationml/2006/main" showMasterSp="0" type="tx">
   <p:cSld name="Porovnání">
     <p:spTree>
       <p:nvGrpSpPr>
@@ -3940,9 +4025,7 @@
           <p:nvPr/>
         </p:nvPicPr>
         <p:blipFill>
-          <a:blip r:embed="rId2">
-            <a:extLst/>
-          </a:blip>
+          <a:blip r:embed="rId2"/>
           <a:stretch>
             <a:fillRect/>
           </a:stretch>
@@ -3969,9 +4052,7 @@
           <p:nvPr/>
         </p:nvPicPr>
         <p:blipFill>
-          <a:blip r:embed="rId3">
-            <a:extLst/>
-          </a:blip>
+          <a:blip r:embed="rId3"/>
           <a:stretch>
             <a:fillRect/>
           </a:stretch>
@@ -4021,6 +4102,7 @@
                 </a:solidFill>
               </a:defRPr>
             </a:pPr>
+            <a:endParaRPr/>
           </a:p>
         </p:txBody>
       </p:sp>
@@ -4056,13 +4138,16 @@
                 </a:solidFill>
               </a:defRPr>
             </a:pPr>
+            <a:endParaRPr/>
           </a:p>
         </p:txBody>
       </p:sp>
       <p:sp>
         <p:nvSpPr>
           <p:cNvPr id="70" name="Текст заголовка"/>
-          <p:cNvSpPr txBox="1"/>
+          <p:cNvSpPr txBox="1">
+            <a:spLocks noGrp="1"/>
+          </p:cNvSpPr>
           <p:nvPr>
             <p:ph type="title"/>
           </p:nvPr>
@@ -4080,7 +4165,6 @@
           <a:bodyPr/>
           <a:lstStyle/>
           <a:p>
-            <a:pPr/>
             <a:r>
               <a:t>Текст заголовка</a:t>
             </a:r>
@@ -4090,7 +4174,9 @@
       <p:sp>
         <p:nvSpPr>
           <p:cNvPr id="71" name="Уровень текста 1…"/>
-          <p:cNvSpPr txBox="1"/>
+          <p:cNvSpPr txBox="1">
+            <a:spLocks noGrp="1"/>
+          </p:cNvSpPr>
           <p:nvPr>
             <p:ph type="body" sz="quarter" idx="1"/>
           </p:nvPr>
@@ -4139,7 +4225,6 @@
             </a:lvl5pPr>
           </a:lstStyle>
           <a:p>
-            <a:pPr/>
             <a:r>
               <a:t>Уровень текста 1</a:t>
             </a:r>
@@ -4173,7 +4258,9 @@
       <p:sp>
         <p:nvSpPr>
           <p:cNvPr id="72" name="Text Placeholder 4"/>
-          <p:cNvSpPr/>
+          <p:cNvSpPr>
+            <a:spLocks noGrp="1"/>
+          </p:cNvSpPr>
           <p:nvPr>
             <p:ph type="body" sz="quarter" idx="21"/>
           </p:nvPr>
@@ -4197,13 +4284,16 @@
               <a:buNone/>
               <a:defRPr b="1"/>
             </a:pPr>
+            <a:endParaRPr/>
           </a:p>
         </p:txBody>
       </p:sp>
       <p:sp>
         <p:nvSpPr>
           <p:cNvPr id="73" name="Номер слайда"/>
-          <p:cNvSpPr txBox="1"/>
+          <p:cNvSpPr txBox="1">
+            <a:spLocks noGrp="1"/>
+          </p:cNvSpPr>
           <p:nvPr>
             <p:ph type="sldNum" sz="quarter" idx="2"/>
           </p:nvPr>
@@ -4217,8 +4307,10 @@
           <a:bodyPr/>
           <a:lstStyle/>
           <a:p>
-            <a:pPr/>
-            <a:fld id="{86CB4B4D-7CA3-9044-876B-883B54F8677D}" type="slidenum"/>
+            <a:fld id="{86CB4B4D-7CA3-9044-876B-883B54F8677D}" type="slidenum">
+              <a:t>‹#›</a:t>
+            </a:fld>
+            <a:endParaRPr/>
           </a:p>
         </p:txBody>
       </p:sp>
@@ -4227,12 +4319,12 @@
   <p:clrMapOvr>
     <a:masterClrMapping/>
   </p:clrMapOvr>
-  <p:transition xmlns:p14="http://schemas.microsoft.com/office/powerpoint/2010/main" spd="med" advClick="1"/>
+  <p:transition spd="med"/>
 </p:sldLayout>
 </file>
 
 <file path=ppt/slideLayouts/slideLayout6.xml><?xml version="1.0" encoding="utf-8"?>
-<p:sldLayout xmlns:a="http://schemas.openxmlformats.org/drawingml/2006/main" xmlns:r="http://schemas.openxmlformats.org/officeDocument/2006/relationships" xmlns:p="http://schemas.openxmlformats.org/presentationml/2006/main" xmlns:m="http://schemas.openxmlformats.org/officeDocument/2006/math" xmlns:a14="http://schemas.microsoft.com/office/drawing/2010/main" type="tx" showMasterSp="0" showMasterPhAnim="1">
+<p:sldLayout xmlns:a="http://schemas.openxmlformats.org/drawingml/2006/main" xmlns:r="http://schemas.openxmlformats.org/officeDocument/2006/relationships" xmlns:p="http://schemas.openxmlformats.org/presentationml/2006/main" showMasterSp="0" type="tx">
   <p:cSld name="Jenom nadpis">
     <p:spTree>
       <p:nvGrpSpPr>
@@ -4257,9 +4349,7 @@
           <p:nvPr/>
         </p:nvPicPr>
         <p:blipFill>
-          <a:blip r:embed="rId2">
-            <a:extLst/>
-          </a:blip>
+          <a:blip r:embed="rId2"/>
           <a:stretch>
             <a:fillRect/>
           </a:stretch>
@@ -4286,9 +4376,7 @@
           <p:nvPr/>
         </p:nvPicPr>
         <p:blipFill>
-          <a:blip r:embed="rId3">
-            <a:extLst/>
-          </a:blip>
+          <a:blip r:embed="rId3"/>
           <a:stretch>
             <a:fillRect/>
           </a:stretch>
@@ -4338,6 +4426,7 @@
                 </a:solidFill>
               </a:defRPr>
             </a:pPr>
+            <a:endParaRPr/>
           </a:p>
         </p:txBody>
       </p:sp>
@@ -4373,13 +4462,16 @@
                 </a:solidFill>
               </a:defRPr>
             </a:pPr>
+            <a:endParaRPr/>
           </a:p>
         </p:txBody>
       </p:sp>
       <p:sp>
         <p:nvSpPr>
           <p:cNvPr id="84" name="Текст заголовка"/>
-          <p:cNvSpPr txBox="1"/>
+          <p:cNvSpPr txBox="1">
+            <a:spLocks noGrp="1"/>
+          </p:cNvSpPr>
           <p:nvPr>
             <p:ph type="title"/>
           </p:nvPr>
@@ -4397,7 +4489,6 @@
           <a:bodyPr/>
           <a:lstStyle/>
           <a:p>
-            <a:pPr/>
             <a:r>
               <a:t>Текст заголовка</a:t>
             </a:r>
@@ -4407,7 +4498,9 @@
       <p:sp>
         <p:nvSpPr>
           <p:cNvPr id="85" name="Номер слайда"/>
-          <p:cNvSpPr txBox="1"/>
+          <p:cNvSpPr txBox="1">
+            <a:spLocks noGrp="1"/>
+          </p:cNvSpPr>
           <p:nvPr>
             <p:ph type="sldNum" sz="quarter" idx="2"/>
           </p:nvPr>
@@ -4421,8 +4514,10 @@
           <a:bodyPr/>
           <a:lstStyle/>
           <a:p>
-            <a:pPr/>
-            <a:fld id="{86CB4B4D-7CA3-9044-876B-883B54F8677D}" type="slidenum"/>
+            <a:fld id="{86CB4B4D-7CA3-9044-876B-883B54F8677D}" type="slidenum">
+              <a:t>‹#›</a:t>
+            </a:fld>
+            <a:endParaRPr/>
           </a:p>
         </p:txBody>
       </p:sp>
@@ -4431,12 +4526,12 @@
   <p:clrMapOvr>
     <a:masterClrMapping/>
   </p:clrMapOvr>
-  <p:transition xmlns:p14="http://schemas.microsoft.com/office/powerpoint/2010/main" spd="med" advClick="1"/>
+  <p:transition spd="med"/>
 </p:sldLayout>
 </file>
 
 <file path=ppt/slideLayouts/slideLayout7.xml><?xml version="1.0" encoding="utf-8"?>
-<p:sldLayout xmlns:a="http://schemas.openxmlformats.org/drawingml/2006/main" xmlns:r="http://schemas.openxmlformats.org/officeDocument/2006/relationships" xmlns:p="http://schemas.openxmlformats.org/presentationml/2006/main" xmlns:m="http://schemas.openxmlformats.org/officeDocument/2006/math" xmlns:a14="http://schemas.microsoft.com/office/drawing/2010/main" type="tx" showMasterSp="1" showMasterPhAnim="1">
+<p:sldLayout xmlns:a="http://schemas.openxmlformats.org/drawingml/2006/main" xmlns:r="http://schemas.openxmlformats.org/officeDocument/2006/relationships" xmlns:p="http://schemas.openxmlformats.org/presentationml/2006/main" type="tx">
   <p:cSld name="Prázdný">
     <p:spTree>
       <p:nvGrpSpPr>
@@ -4455,7 +4550,9 @@
       <p:sp>
         <p:nvSpPr>
           <p:cNvPr id="92" name="Номер слайда"/>
-          <p:cNvSpPr txBox="1"/>
+          <p:cNvSpPr txBox="1">
+            <a:spLocks noGrp="1"/>
+          </p:cNvSpPr>
           <p:nvPr>
             <p:ph type="sldNum" sz="quarter" idx="2"/>
           </p:nvPr>
@@ -4469,8 +4566,10 @@
           <a:bodyPr/>
           <a:lstStyle/>
           <a:p>
-            <a:pPr/>
-            <a:fld id="{86CB4B4D-7CA3-9044-876B-883B54F8677D}" type="slidenum"/>
+            <a:fld id="{86CB4B4D-7CA3-9044-876B-883B54F8677D}" type="slidenum">
+              <a:t>‹#›</a:t>
+            </a:fld>
+            <a:endParaRPr/>
           </a:p>
         </p:txBody>
       </p:sp>
@@ -4479,12 +4578,12 @@
   <p:clrMapOvr>
     <a:masterClrMapping/>
   </p:clrMapOvr>
-  <p:transition xmlns:p14="http://schemas.microsoft.com/office/powerpoint/2010/main" spd="med" advClick="1"/>
+  <p:transition spd="med"/>
 </p:sldLayout>
 </file>
 
 <file path=ppt/slideLayouts/slideLayout8.xml><?xml version="1.0" encoding="utf-8"?>
-<p:sldLayout xmlns:a="http://schemas.openxmlformats.org/drawingml/2006/main" xmlns:r="http://schemas.openxmlformats.org/officeDocument/2006/relationships" xmlns:p="http://schemas.openxmlformats.org/presentationml/2006/main" xmlns:m="http://schemas.openxmlformats.org/officeDocument/2006/math" xmlns:a14="http://schemas.microsoft.com/office/drawing/2010/main" type="tx" showMasterSp="0" showMasterPhAnim="1">
+<p:sldLayout xmlns:a="http://schemas.openxmlformats.org/drawingml/2006/main" xmlns:r="http://schemas.openxmlformats.org/officeDocument/2006/relationships" xmlns:p="http://schemas.openxmlformats.org/presentationml/2006/main" showMasterSp="0" type="tx">
   <p:cSld name="Obsah s titulkem">
     <p:spTree>
       <p:nvGrpSpPr>
@@ -4509,9 +4608,7 @@
           <p:nvPr/>
         </p:nvPicPr>
         <p:blipFill>
-          <a:blip r:embed="rId2">
-            <a:extLst/>
-          </a:blip>
+          <a:blip r:embed="rId2"/>
           <a:stretch>
             <a:fillRect/>
           </a:stretch>
@@ -4538,9 +4635,7 @@
           <p:nvPr/>
         </p:nvPicPr>
         <p:blipFill>
-          <a:blip r:embed="rId3">
-            <a:extLst/>
-          </a:blip>
+          <a:blip r:embed="rId3"/>
           <a:stretch>
             <a:fillRect/>
           </a:stretch>
@@ -4590,6 +4685,7 @@
                 </a:solidFill>
               </a:defRPr>
             </a:pPr>
+            <a:endParaRPr/>
           </a:p>
         </p:txBody>
       </p:sp>
@@ -4625,13 +4721,16 @@
                 </a:solidFill>
               </a:defRPr>
             </a:pPr>
+            <a:endParaRPr/>
           </a:p>
         </p:txBody>
       </p:sp>
       <p:sp>
         <p:nvSpPr>
           <p:cNvPr id="103" name="Текст заголовка"/>
-          <p:cNvSpPr txBox="1"/>
+          <p:cNvSpPr txBox="1">
+            <a:spLocks noGrp="1"/>
+          </p:cNvSpPr>
           <p:nvPr>
             <p:ph type="title"/>
           </p:nvPr>
@@ -4649,7 +4748,6 @@
           <a:bodyPr/>
           <a:lstStyle/>
           <a:p>
-            <a:pPr/>
             <a:r>
               <a:t>Текст заголовка</a:t>
             </a:r>
@@ -4659,7 +4757,9 @@
       <p:sp>
         <p:nvSpPr>
           <p:cNvPr id="104" name="Уровень текста 1…"/>
-          <p:cNvSpPr txBox="1"/>
+          <p:cNvSpPr txBox="1">
+            <a:spLocks noGrp="1"/>
+          </p:cNvSpPr>
           <p:nvPr>
             <p:ph type="body" sz="half" idx="1"/>
           </p:nvPr>
@@ -4677,7 +4777,6 @@
           <a:bodyPr/>
           <a:lstStyle/>
           <a:p>
-            <a:pPr/>
             <a:r>
               <a:t>Уровень текста 1</a:t>
             </a:r>
@@ -4711,7 +4810,9 @@
       <p:sp>
         <p:nvSpPr>
           <p:cNvPr id="105" name="Text Placeholder 3"/>
-          <p:cNvSpPr/>
+          <p:cNvSpPr>
+            <a:spLocks noGrp="1"/>
+          </p:cNvSpPr>
           <p:nvPr>
             <p:ph type="body" sz="quarter" idx="21"/>
           </p:nvPr>
@@ -4735,13 +4836,16 @@
               <a:buNone/>
               <a:defRPr sz="1600"/>
             </a:pPr>
+            <a:endParaRPr/>
           </a:p>
         </p:txBody>
       </p:sp>
       <p:sp>
         <p:nvSpPr>
           <p:cNvPr id="106" name="Номер слайда"/>
-          <p:cNvSpPr txBox="1"/>
+          <p:cNvSpPr txBox="1">
+            <a:spLocks noGrp="1"/>
+          </p:cNvSpPr>
           <p:nvPr>
             <p:ph type="sldNum" sz="quarter" idx="2"/>
           </p:nvPr>
@@ -4755,8 +4859,10 @@
           <a:bodyPr/>
           <a:lstStyle/>
           <a:p>
-            <a:pPr/>
-            <a:fld id="{86CB4B4D-7CA3-9044-876B-883B54F8677D}" type="slidenum"/>
+            <a:fld id="{86CB4B4D-7CA3-9044-876B-883B54F8677D}" type="slidenum">
+              <a:t>‹#›</a:t>
+            </a:fld>
+            <a:endParaRPr/>
           </a:p>
         </p:txBody>
       </p:sp>
@@ -4765,12 +4871,12 @@
   <p:clrMapOvr>
     <a:masterClrMapping/>
   </p:clrMapOvr>
-  <p:transition xmlns:p14="http://schemas.microsoft.com/office/powerpoint/2010/main" spd="med" advClick="1"/>
+  <p:transition spd="med"/>
 </p:sldLayout>
 </file>
 
 <file path=ppt/slideLayouts/slideLayout9.xml><?xml version="1.0" encoding="utf-8"?>
-<p:sldLayout xmlns:a="http://schemas.openxmlformats.org/drawingml/2006/main" xmlns:r="http://schemas.openxmlformats.org/officeDocument/2006/relationships" xmlns:p="http://schemas.openxmlformats.org/presentationml/2006/main" xmlns:m="http://schemas.openxmlformats.org/officeDocument/2006/math" xmlns:a14="http://schemas.microsoft.com/office/drawing/2010/main" type="tx" showMasterSp="0" showMasterPhAnim="1">
+<p:sldLayout xmlns:a="http://schemas.openxmlformats.org/drawingml/2006/main" xmlns:r="http://schemas.openxmlformats.org/officeDocument/2006/relationships" xmlns:p="http://schemas.openxmlformats.org/presentationml/2006/main" showMasterSp="0" type="tx">
   <p:cSld name="Obrázek s titulkem">
     <p:spTree>
       <p:nvGrpSpPr>
@@ -4795,9 +4901,7 @@
           <p:nvPr/>
         </p:nvPicPr>
         <p:blipFill>
-          <a:blip r:embed="rId2">
-            <a:extLst/>
-          </a:blip>
+          <a:blip r:embed="rId2"/>
           <a:stretch>
             <a:fillRect/>
           </a:stretch>
@@ -4824,9 +4928,7 @@
           <p:nvPr/>
         </p:nvPicPr>
         <p:blipFill>
-          <a:blip r:embed="rId3">
-            <a:extLst/>
-          </a:blip>
+          <a:blip r:embed="rId3"/>
           <a:stretch>
             <a:fillRect/>
           </a:stretch>
@@ -4876,6 +4978,7 @@
                 </a:solidFill>
               </a:defRPr>
             </a:pPr>
+            <a:endParaRPr/>
           </a:p>
         </p:txBody>
       </p:sp>
@@ -4911,13 +5014,16 @@
                 </a:solidFill>
               </a:defRPr>
             </a:pPr>
+            <a:endParaRPr/>
           </a:p>
         </p:txBody>
       </p:sp>
       <p:sp>
         <p:nvSpPr>
           <p:cNvPr id="117" name="Текст заголовка"/>
-          <p:cNvSpPr txBox="1"/>
+          <p:cNvSpPr txBox="1">
+            <a:spLocks noGrp="1"/>
+          </p:cNvSpPr>
           <p:nvPr>
             <p:ph type="title"/>
           </p:nvPr>
@@ -4935,7 +5041,6 @@
           <a:bodyPr/>
           <a:lstStyle/>
           <a:p>
-            <a:pPr/>
             <a:r>
               <a:t>Текст заголовка</a:t>
             </a:r>
@@ -4945,7 +5050,9 @@
       <p:sp>
         <p:nvSpPr>
           <p:cNvPr id="118" name="Picture Placeholder 2"/>
-          <p:cNvSpPr/>
+          <p:cNvSpPr>
+            <a:spLocks noGrp="1"/>
+          </p:cNvSpPr>
           <p:nvPr>
             <p:ph type="pic" sz="half" idx="21"/>
           </p:nvPr>
@@ -4959,7 +5066,7 @@
             <a:avLst/>
           </a:prstGeom>
           <a:effectLst>
-            <a:outerShdw sx="100000" sy="100000" kx="0" ky="0" algn="b" rotWithShape="0" blurRad="76200" dist="63500" dir="5040000">
+            <a:outerShdw blurRad="76200" dist="63500" dir="5040000" rotWithShape="0">
               <a:srgbClr val="000000">
                 <a:alpha val="41000"/>
               </a:srgbClr>
@@ -4972,14 +5079,16 @@
           </a:bodyPr>
           <a:lstStyle/>
           <a:p>
-            <a:pPr/>
+            <a:endParaRPr/>
           </a:p>
         </p:txBody>
       </p:sp>
       <p:sp>
         <p:nvSpPr>
           <p:cNvPr id="119" name="Уровень текста 1…"/>
-          <p:cNvSpPr txBox="1"/>
+          <p:cNvSpPr txBox="1">
+            <a:spLocks noGrp="1"/>
+          </p:cNvSpPr>
           <p:nvPr>
             <p:ph type="body" sz="quarter" idx="1"/>
           </p:nvPr>
@@ -5028,7 +5137,6 @@
             </a:lvl5pPr>
           </a:lstStyle>
           <a:p>
-            <a:pPr/>
             <a:r>
               <a:t>Уровень текста 1</a:t>
             </a:r>
@@ -5062,7 +5170,9 @@
       <p:sp>
         <p:nvSpPr>
           <p:cNvPr id="120" name="Номер слайда"/>
-          <p:cNvSpPr txBox="1"/>
+          <p:cNvSpPr txBox="1">
+            <a:spLocks noGrp="1"/>
+          </p:cNvSpPr>
           <p:nvPr>
             <p:ph type="sldNum" sz="quarter" idx="2"/>
           </p:nvPr>
@@ -5076,8 +5186,10 @@
           <a:bodyPr/>
           <a:lstStyle/>
           <a:p>
-            <a:pPr/>
-            <a:fld id="{86CB4B4D-7CA3-9044-876B-883B54F8677D}" type="slidenum"/>
+            <a:fld id="{86CB4B4D-7CA3-9044-876B-883B54F8677D}" type="slidenum">
+              <a:t>‹#›</a:t>
+            </a:fld>
+            <a:endParaRPr/>
           </a:p>
         </p:txBody>
       </p:sp>
@@ -5086,12 +5198,12 @@
   <p:clrMapOvr>
     <a:masterClrMapping/>
   </p:clrMapOvr>
-  <p:transition xmlns:p14="http://schemas.microsoft.com/office/powerpoint/2010/main" spd="med" advClick="1"/>
+  <p:transition spd="med"/>
 </p:sldLayout>
 </file>
 
 <file path=ppt/slideMasters/slideMaster1.xml><?xml version="1.0" encoding="utf-8"?>
-<p:sldMaster xmlns:a="http://schemas.openxmlformats.org/drawingml/2006/main" xmlns:r="http://schemas.openxmlformats.org/officeDocument/2006/relationships" xmlns:p="http://schemas.openxmlformats.org/presentationml/2006/main" xmlns:m="http://schemas.openxmlformats.org/officeDocument/2006/math" xmlns:a14="http://schemas.microsoft.com/office/drawing/2010/main">
+<p:sldMaster xmlns:a="http://schemas.openxmlformats.org/drawingml/2006/main" xmlns:r="http://schemas.openxmlformats.org/officeDocument/2006/relationships" xmlns:p="http://schemas.openxmlformats.org/presentationml/2006/main">
   <p:cSld>
     <p:bg>
       <p:bgPr>
@@ -5109,6 +5221,7 @@
           </a:gsLst>
           <a:lin ang="2520000" scaled="0"/>
         </a:gradFill>
+        <a:effectLst/>
       </p:bgPr>
     </p:bg>
     <p:spTree>
@@ -5134,9 +5247,7 @@
           <p:nvPr/>
         </p:nvPicPr>
         <p:blipFill>
-          <a:blip r:embed="rId2">
-            <a:extLst/>
-          </a:blip>
+          <a:blip r:embed="rId17"/>
           <a:stretch>
             <a:fillRect/>
           </a:stretch>
@@ -5186,13 +5297,16 @@
                 </a:solidFill>
               </a:defRPr>
             </a:pPr>
+            <a:endParaRPr/>
           </a:p>
         </p:txBody>
       </p:sp>
       <p:sp>
         <p:nvSpPr>
           <p:cNvPr id="4" name="Текст заголовка"/>
-          <p:cNvSpPr txBox="1"/>
+          <p:cNvSpPr txBox="1">
+            <a:spLocks noGrp="1"/>
+          </p:cNvSpPr>
           <p:nvPr>
             <p:ph type="title"/>
           </p:nvPr>
@@ -5210,17 +5324,16 @@
           </a:ln>
           <a:extLst>
             <a:ext uri="{C572A759-6A51-4108-AA02-DFA0A04FC94B}">
-              <ma14:wrappingTextBoxFlag xmlns:ma14="http://schemas.microsoft.com/office/mac/drawingml/2011/main" val="1"/>
+              <ma14:wrappingTextBoxFlag xmlns:ma14="http://schemas.microsoft.com/office/mac/drawingml/2011/main" xmlns:a14="http://schemas.microsoft.com/office/drawing/2010/main" xmlns:m="http://schemas.openxmlformats.org/officeDocument/2006/math" xmlns="" val="1"/>
             </a:ext>
           </a:extLst>
         </p:spPr>
         <p:txBody>
           <a:bodyPr lIns="45719" rIns="45719" anchor="ctr">
-            <a:normAutofit fontScale="100000" lnSpcReduction="0"/>
+            <a:normAutofit/>
           </a:bodyPr>
           <a:lstStyle/>
           <a:p>
-            <a:pPr/>
             <a:r>
               <a:t>Текст заголовка</a:t>
             </a:r>
@@ -5230,7 +5343,9 @@
       <p:sp>
         <p:nvSpPr>
           <p:cNvPr id="5" name="Уровень текста 1…"/>
-          <p:cNvSpPr txBox="1"/>
+          <p:cNvSpPr txBox="1">
+            <a:spLocks noGrp="1"/>
+          </p:cNvSpPr>
           <p:nvPr>
             <p:ph type="body" idx="1"/>
           </p:nvPr>
@@ -5248,17 +5363,16 @@
           </a:ln>
           <a:extLst>
             <a:ext uri="{C572A759-6A51-4108-AA02-DFA0A04FC94B}">
-              <ma14:wrappingTextBoxFlag xmlns:ma14="http://schemas.microsoft.com/office/mac/drawingml/2011/main" val="1"/>
+              <ma14:wrappingTextBoxFlag xmlns:ma14="http://schemas.microsoft.com/office/mac/drawingml/2011/main" xmlns:a14="http://schemas.microsoft.com/office/drawing/2010/main" xmlns:m="http://schemas.openxmlformats.org/officeDocument/2006/math" xmlns="" val="1"/>
             </a:ext>
           </a:extLst>
         </p:spPr>
         <p:txBody>
           <a:bodyPr lIns="45719" rIns="45719">
-            <a:normAutofit fontScale="100000" lnSpcReduction="0"/>
+            <a:normAutofit/>
           </a:bodyPr>
           <a:lstStyle/>
           <a:p>
-            <a:pPr/>
             <a:r>
               <a:t>Уровень текста 1</a:t>
             </a:r>
@@ -5292,7 +5406,9 @@
       <p:sp>
         <p:nvSpPr>
           <p:cNvPr id="6" name="Номер слайда"/>
-          <p:cNvSpPr txBox="1"/>
+          <p:cNvSpPr txBox="1">
+            <a:spLocks noGrp="1"/>
+          </p:cNvSpPr>
           <p:nvPr>
             <p:ph type="sldNum" sz="quarter" idx="2"/>
           </p:nvPr>
@@ -5323,8 +5439,10 @@
             </a:lvl1pPr>
           </a:lstStyle>
           <a:p>
-            <a:pPr/>
-            <a:fld id="{86CB4B4D-7CA3-9044-876B-883B54F8677D}" type="slidenum"/>
+            <a:fld id="{86CB4B4D-7CA3-9044-876B-883B54F8677D}" type="slidenum">
+              <a:t>‹#›</a:t>
+            </a:fld>
+            <a:endParaRPr/>
           </a:p>
         </p:txBody>
       </p:sp>
@@ -5332,23 +5450,23 @@
   </p:cSld>
   <p:clrMap bg1="lt1" tx1="dk1" bg2="lt2" tx2="dk2" accent1="accent1" accent2="accent2" accent3="accent3" accent4="accent4" accent5="accent5" accent6="accent6" hlink="hlink" folHlink="folHlink"/>
   <p:sldLayoutIdLst>
-    <p:sldLayoutId id="2147483649" r:id="rId3"/>
-    <p:sldLayoutId id="2147483650" r:id="rId4"/>
-    <p:sldLayoutId id="2147483651" r:id="rId5"/>
-    <p:sldLayoutId id="2147483652" r:id="rId6"/>
-    <p:sldLayoutId id="2147483653" r:id="rId7"/>
-    <p:sldLayoutId id="2147483654" r:id="rId8"/>
-    <p:sldLayoutId id="2147483655" r:id="rId9"/>
-    <p:sldLayoutId id="2147483656" r:id="rId10"/>
-    <p:sldLayoutId id="2147483657" r:id="rId11"/>
-    <p:sldLayoutId id="2147483658" r:id="rId12"/>
-    <p:sldLayoutId id="2147483659" r:id="rId13"/>
-    <p:sldLayoutId id="2147483660" r:id="rId14"/>
-    <p:sldLayoutId id="2147483661" r:id="rId15"/>
-    <p:sldLayoutId id="2147483662" r:id="rId16"/>
-    <p:sldLayoutId id="2147483663" r:id="rId17"/>
+    <p:sldLayoutId id="2147483649" r:id="rId1"/>
+    <p:sldLayoutId id="2147483650" r:id="rId2"/>
+    <p:sldLayoutId id="2147483651" r:id="rId3"/>
+    <p:sldLayoutId id="2147483652" r:id="rId4"/>
+    <p:sldLayoutId id="2147483653" r:id="rId5"/>
+    <p:sldLayoutId id="2147483654" r:id="rId6"/>
+    <p:sldLayoutId id="2147483655" r:id="rId7"/>
+    <p:sldLayoutId id="2147483656" r:id="rId8"/>
+    <p:sldLayoutId id="2147483657" r:id="rId9"/>
+    <p:sldLayoutId id="2147483658" r:id="rId10"/>
+    <p:sldLayoutId id="2147483659" r:id="rId11"/>
+    <p:sldLayoutId id="2147483660" r:id="rId12"/>
+    <p:sldLayoutId id="2147483661" r:id="rId13"/>
+    <p:sldLayoutId id="2147483662" r:id="rId14"/>
+    <p:sldLayoutId id="2147483663" r:id="rId15"/>
   </p:sldLayoutIdLst>
-  <p:transition xmlns:p14="http://schemas.microsoft.com/office/powerpoint/2010/main" spd="med" advClick="1"/>
+  <p:transition spd="med"/>
   <p:txStyles>
     <p:titleStyle>
       <a:lvl1pPr marL="0" marR="0" indent="0" algn="l" defTabSz="914400" rtl="0" latinLnBrk="0">
@@ -5366,7 +5484,7 @@
         <a:buFontTx/>
         <a:buNone/>
         <a:tabLst/>
-        <a:defRPr b="0" baseline="0" cap="none" i="0" spc="0" strike="noStrike" sz="3600" u="none">
+        <a:defRPr sz="3600" b="0" i="0" u="none" strike="noStrike" cap="none" spc="0" baseline="0">
           <a:solidFill>
             <a:srgbClr val="F2F2F2"/>
           </a:solidFill>
@@ -5392,7 +5510,7 @@
         <a:buFontTx/>
         <a:buNone/>
         <a:tabLst/>
-        <a:defRPr b="0" baseline="0" cap="none" i="0" spc="0" strike="noStrike" sz="3600" u="none">
+        <a:defRPr sz="3600" b="0" i="0" u="none" strike="noStrike" cap="none" spc="0" baseline="0">
           <a:solidFill>
             <a:srgbClr val="F2F2F2"/>
           </a:solidFill>
@@ -5418,7 +5536,7 @@
         <a:buFontTx/>
         <a:buNone/>
         <a:tabLst/>
-        <a:defRPr b="0" baseline="0" cap="none" i="0" spc="0" strike="noStrike" sz="3600" u="none">
+        <a:defRPr sz="3600" b="0" i="0" u="none" strike="noStrike" cap="none" spc="0" baseline="0">
           <a:solidFill>
             <a:srgbClr val="F2F2F2"/>
           </a:solidFill>
@@ -5444,7 +5562,7 @@
         <a:buFontTx/>
         <a:buNone/>
         <a:tabLst/>
-        <a:defRPr b="0" baseline="0" cap="none" i="0" spc="0" strike="noStrike" sz="3600" u="none">
+        <a:defRPr sz="3600" b="0" i="0" u="none" strike="noStrike" cap="none" spc="0" baseline="0">
           <a:solidFill>
             <a:srgbClr val="F2F2F2"/>
           </a:solidFill>
@@ -5470,7 +5588,7 @@
         <a:buFontTx/>
         <a:buNone/>
         <a:tabLst/>
-        <a:defRPr b="0" baseline="0" cap="none" i="0" spc="0" strike="noStrike" sz="3600" u="none">
+        <a:defRPr sz="3600" b="0" i="0" u="none" strike="noStrike" cap="none" spc="0" baseline="0">
           <a:solidFill>
             <a:srgbClr val="F2F2F2"/>
           </a:solidFill>
@@ -5496,7 +5614,7 @@
         <a:buFontTx/>
         <a:buNone/>
         <a:tabLst/>
-        <a:defRPr b="0" baseline="0" cap="none" i="0" spc="0" strike="noStrike" sz="3600" u="none">
+        <a:defRPr sz="3600" b="0" i="0" u="none" strike="noStrike" cap="none" spc="0" baseline="0">
           <a:solidFill>
             <a:srgbClr val="F2F2F2"/>
           </a:solidFill>
@@ -5522,7 +5640,7 @@
         <a:buFontTx/>
         <a:buNone/>
         <a:tabLst/>
-        <a:defRPr b="0" baseline="0" cap="none" i="0" spc="0" strike="noStrike" sz="3600" u="none">
+        <a:defRPr sz="3600" b="0" i="0" u="none" strike="noStrike" cap="none" spc="0" baseline="0">
           <a:solidFill>
             <a:srgbClr val="F2F2F2"/>
           </a:solidFill>
@@ -5548,7 +5666,7 @@
         <a:buFontTx/>
         <a:buNone/>
         <a:tabLst/>
-        <a:defRPr b="0" baseline="0" cap="none" i="0" spc="0" strike="noStrike" sz="3600" u="none">
+        <a:defRPr sz="3600" b="0" i="0" u="none" strike="noStrike" cap="none" spc="0" baseline="0">
           <a:solidFill>
             <a:srgbClr val="F2F2F2"/>
           </a:solidFill>
@@ -5574,7 +5692,7 @@
         <a:buFontTx/>
         <a:buNone/>
         <a:tabLst/>
-        <a:defRPr b="0" baseline="0" cap="none" i="0" spc="0" strike="noStrike" sz="3600" u="none">
+        <a:defRPr sz="3600" b="0" i="0" u="none" strike="noStrike" cap="none" spc="0" baseline="0">
           <a:solidFill>
             <a:srgbClr val="F2F2F2"/>
           </a:solidFill>
@@ -5602,7 +5720,7 @@
         <a:buFont typeface="Arial"/>
         <a:buChar char="•"/>
         <a:tabLst/>
-        <a:defRPr b="0" baseline="0" cap="none" i="0" spc="0" strike="noStrike" sz="2400" u="none">
+        <a:defRPr sz="2400" b="0" i="0" u="none" strike="noStrike" cap="none" spc="0" baseline="0">
           <a:solidFill>
             <a:srgbClr val="F2F2F2"/>
           </a:solidFill>
@@ -5628,7 +5746,7 @@
         <a:buFont typeface="Arial"/>
         <a:buChar char="•"/>
         <a:tabLst/>
-        <a:defRPr b="0" baseline="0" cap="none" i="0" spc="0" strike="noStrike" sz="2400" u="none">
+        <a:defRPr sz="2400" b="0" i="0" u="none" strike="noStrike" cap="none" spc="0" baseline="0">
           <a:solidFill>
             <a:srgbClr val="F2F2F2"/>
           </a:solidFill>
@@ -5654,7 +5772,7 @@
         <a:buFont typeface="Arial"/>
         <a:buChar char="•"/>
         <a:tabLst/>
-        <a:defRPr b="0" baseline="0" cap="none" i="0" spc="0" strike="noStrike" sz="2400" u="none">
+        <a:defRPr sz="2400" b="0" i="0" u="none" strike="noStrike" cap="none" spc="0" baseline="0">
           <a:solidFill>
             <a:srgbClr val="F2F2F2"/>
           </a:solidFill>
@@ -5680,7 +5798,7 @@
         <a:buFont typeface="Arial"/>
         <a:buChar char="•"/>
         <a:tabLst/>
-        <a:defRPr b="0" baseline="0" cap="none" i="0" spc="0" strike="noStrike" sz="2400" u="none">
+        <a:defRPr sz="2400" b="0" i="0" u="none" strike="noStrike" cap="none" spc="0" baseline="0">
           <a:solidFill>
             <a:srgbClr val="F2F2F2"/>
           </a:solidFill>
@@ -5706,7 +5824,7 @@
         <a:buFont typeface="Arial"/>
         <a:buChar char="•"/>
         <a:tabLst/>
-        <a:defRPr b="0" baseline="0" cap="none" i="0" spc="0" strike="noStrike" sz="2400" u="none">
+        <a:defRPr sz="2400" b="0" i="0" u="none" strike="noStrike" cap="none" spc="0" baseline="0">
           <a:solidFill>
             <a:srgbClr val="F2F2F2"/>
           </a:solidFill>
@@ -5732,7 +5850,7 @@
         <a:buFont typeface="Arial"/>
         <a:buChar char="•"/>
         <a:tabLst/>
-        <a:defRPr b="0" baseline="0" cap="none" i="0" spc="0" strike="noStrike" sz="2400" u="none">
+        <a:defRPr sz="2400" b="0" i="0" u="none" strike="noStrike" cap="none" spc="0" baseline="0">
           <a:solidFill>
             <a:srgbClr val="F2F2F2"/>
           </a:solidFill>
@@ -5758,7 +5876,7 @@
         <a:buFont typeface="Arial"/>
         <a:buChar char="•"/>
         <a:tabLst/>
-        <a:defRPr b="0" baseline="0" cap="none" i="0" spc="0" strike="noStrike" sz="2400" u="none">
+        <a:defRPr sz="2400" b="0" i="0" u="none" strike="noStrike" cap="none" spc="0" baseline="0">
           <a:solidFill>
             <a:srgbClr val="F2F2F2"/>
           </a:solidFill>
@@ -5784,7 +5902,7 @@
         <a:buFont typeface="Arial"/>
         <a:buChar char="•"/>
         <a:tabLst/>
-        <a:defRPr b="0" baseline="0" cap="none" i="0" spc="0" strike="noStrike" sz="2400" u="none">
+        <a:defRPr sz="2400" b="0" i="0" u="none" strike="noStrike" cap="none" spc="0" baseline="0">
           <a:solidFill>
             <a:srgbClr val="F2F2F2"/>
           </a:solidFill>
@@ -5810,7 +5928,7 @@
         <a:buFont typeface="Arial"/>
         <a:buChar char="•"/>
         <a:tabLst/>
-        <a:defRPr b="0" baseline="0" cap="none" i="0" spc="0" strike="noStrike" sz="2400" u="none">
+        <a:defRPr sz="2400" b="0" i="0" u="none" strike="noStrike" cap="none" spc="0" baseline="0">
           <a:solidFill>
             <a:srgbClr val="F2F2F2"/>
           </a:solidFill>
@@ -5838,7 +5956,7 @@
         <a:buFontTx/>
         <a:buNone/>
         <a:tabLst/>
-        <a:defRPr b="0" baseline="0" cap="none" i="0" spc="0" strike="noStrike" sz="3600" u="none">
+        <a:defRPr sz="3600" b="0" i="0" u="none" strike="noStrike" cap="none" spc="0" baseline="0">
           <a:solidFill>
             <a:schemeClr val="tx1"/>
           </a:solidFill>
@@ -5864,7 +5982,7 @@
         <a:buFontTx/>
         <a:buNone/>
         <a:tabLst/>
-        <a:defRPr b="0" baseline="0" cap="none" i="0" spc="0" strike="noStrike" sz="3600" u="none">
+        <a:defRPr sz="3600" b="0" i="0" u="none" strike="noStrike" cap="none" spc="0" baseline="0">
           <a:solidFill>
             <a:schemeClr val="tx1"/>
           </a:solidFill>
@@ -5890,7 +6008,7 @@
         <a:buFontTx/>
         <a:buNone/>
         <a:tabLst/>
-        <a:defRPr b="0" baseline="0" cap="none" i="0" spc="0" strike="noStrike" sz="3600" u="none">
+        <a:defRPr sz="3600" b="0" i="0" u="none" strike="noStrike" cap="none" spc="0" baseline="0">
           <a:solidFill>
             <a:schemeClr val="tx1"/>
           </a:solidFill>
@@ -5916,7 +6034,7 @@
         <a:buFontTx/>
         <a:buNone/>
         <a:tabLst/>
-        <a:defRPr b="0" baseline="0" cap="none" i="0" spc="0" strike="noStrike" sz="3600" u="none">
+        <a:defRPr sz="3600" b="0" i="0" u="none" strike="noStrike" cap="none" spc="0" baseline="0">
           <a:solidFill>
             <a:schemeClr val="tx1"/>
           </a:solidFill>
@@ -5942,7 +6060,7 @@
         <a:buFontTx/>
         <a:buNone/>
         <a:tabLst/>
-        <a:defRPr b="0" baseline="0" cap="none" i="0" spc="0" strike="noStrike" sz="3600" u="none">
+        <a:defRPr sz="3600" b="0" i="0" u="none" strike="noStrike" cap="none" spc="0" baseline="0">
           <a:solidFill>
             <a:schemeClr val="tx1"/>
           </a:solidFill>
@@ -5968,7 +6086,7 @@
         <a:buFontTx/>
         <a:buNone/>
         <a:tabLst/>
-        <a:defRPr b="0" baseline="0" cap="none" i="0" spc="0" strike="noStrike" sz="3600" u="none">
+        <a:defRPr sz="3600" b="0" i="0" u="none" strike="noStrike" cap="none" spc="0" baseline="0">
           <a:solidFill>
             <a:schemeClr val="tx1"/>
           </a:solidFill>
@@ -5994,7 +6112,7 @@
         <a:buFontTx/>
         <a:buNone/>
         <a:tabLst/>
-        <a:defRPr b="0" baseline="0" cap="none" i="0" spc="0" strike="noStrike" sz="3600" u="none">
+        <a:defRPr sz="3600" b="0" i="0" u="none" strike="noStrike" cap="none" spc="0" baseline="0">
           <a:solidFill>
             <a:schemeClr val="tx1"/>
           </a:solidFill>
@@ -6020,7 +6138,7 @@
         <a:buFontTx/>
         <a:buNone/>
         <a:tabLst/>
-        <a:defRPr b="0" baseline="0" cap="none" i="0" spc="0" strike="noStrike" sz="3600" u="none">
+        <a:defRPr sz="3600" b="0" i="0" u="none" strike="noStrike" cap="none" spc="0" baseline="0">
           <a:solidFill>
             <a:schemeClr val="tx1"/>
           </a:solidFill>
@@ -6046,7 +6164,7 @@
         <a:buFontTx/>
         <a:buNone/>
         <a:tabLst/>
-        <a:defRPr b="0" baseline="0" cap="none" i="0" spc="0" strike="noStrike" sz="3600" u="none">
+        <a:defRPr sz="3600" b="0" i="0" u="none" strike="noStrike" cap="none" spc="0" baseline="0">
           <a:solidFill>
             <a:schemeClr val="tx1"/>
           </a:solidFill>
@@ -6063,7 +6181,7 @@
 </file>
 
 <file path=ppt/slides/slide1.xml><?xml version="1.0" encoding="utf-8"?>
-<p:sld xmlns:a="http://schemas.openxmlformats.org/drawingml/2006/main" xmlns:r="http://schemas.openxmlformats.org/officeDocument/2006/relationships" xmlns:p="http://schemas.openxmlformats.org/presentationml/2006/main" xmlns:m="http://schemas.openxmlformats.org/officeDocument/2006/math" xmlns:a14="http://schemas.microsoft.com/office/drawing/2010/main" showMasterSp="1" showMasterPhAnim="1">
+<p:sld xmlns:a="http://schemas.openxmlformats.org/drawingml/2006/main" xmlns:r="http://schemas.openxmlformats.org/officeDocument/2006/relationships" xmlns:p="http://schemas.openxmlformats.org/presentationml/2006/main">
   <p:cSld>
     <p:spTree>
       <p:nvGrpSpPr>
@@ -6082,7 +6200,9 @@
       <p:sp>
         <p:nvSpPr>
           <p:cNvPr id="223" name="Nadpis 1"/>
-          <p:cNvSpPr txBox="1"/>
+          <p:cNvSpPr txBox="1">
+            <a:spLocks noGrp="1"/>
+          </p:cNvSpPr>
           <p:nvPr>
             <p:ph type="title"/>
           </p:nvPr>
@@ -6096,7 +6216,6 @@
           <a:bodyPr/>
           <a:lstStyle/>
           <a:p>
-            <a:pPr/>
             <a:r>
               <a:t>Sprint 1</a:t>
             </a:r>
@@ -6106,7 +6225,9 @@
       <p:sp>
         <p:nvSpPr>
           <p:cNvPr id="224" name="Podnadpis 2"/>
-          <p:cNvSpPr txBox="1"/>
+          <p:cNvSpPr txBox="1">
+            <a:spLocks noGrp="1"/>
+          </p:cNvSpPr>
           <p:nvPr>
             <p:ph type="body" idx="1"/>
           </p:nvPr>
@@ -6121,7 +6242,7 @@
           <a:lstStyle/>
           <a:p>
             <a:pPr marL="266700" indent="-266700">
-              <a:defRPr b="1" sz="2800">
+              <a:defRPr sz="2800" b="1">
                 <a:solidFill>
                   <a:srgbClr val="181818"/>
                 </a:solidFill>
@@ -6163,12 +6284,12 @@
   <p:clrMapOvr>
     <a:masterClrMapping/>
   </p:clrMapOvr>
-  <p:transition xmlns:p14="http://schemas.microsoft.com/office/powerpoint/2010/main" spd="med" advClick="1"/>
+  <p:transition spd="med"/>
 </p:sld>
 </file>
 
 <file path=ppt/slides/slide2.xml><?xml version="1.0" encoding="utf-8"?>
-<p:sld xmlns:a="http://schemas.openxmlformats.org/drawingml/2006/main" xmlns:r="http://schemas.openxmlformats.org/officeDocument/2006/relationships" xmlns:p="http://schemas.openxmlformats.org/presentationml/2006/main" xmlns:m="http://schemas.openxmlformats.org/officeDocument/2006/math" xmlns:a14="http://schemas.microsoft.com/office/drawing/2010/main" showMasterSp="1" showMasterPhAnim="1">
+<p:sld xmlns:a="http://schemas.openxmlformats.org/drawingml/2006/main" xmlns:r="http://schemas.openxmlformats.org/officeDocument/2006/relationships" xmlns:p="http://schemas.openxmlformats.org/presentationml/2006/main">
   <p:cSld>
     <p:spTree>
       <p:nvGrpSpPr>
@@ -6187,7 +6308,9 @@
       <p:sp>
         <p:nvSpPr>
           <p:cNvPr id="226" name="Nadpis 1"/>
-          <p:cNvSpPr txBox="1"/>
+          <p:cNvSpPr txBox="1">
+            <a:spLocks noGrp="1"/>
+          </p:cNvSpPr>
           <p:nvPr>
             <p:ph type="title"/>
           </p:nvPr>
@@ -6205,7 +6328,6 @@
           <a:bodyPr/>
           <a:lstStyle/>
           <a:p>
-            <a:pPr/>
             <a:r>
               <a:t>Odkazy</a:t>
             </a:r>
@@ -6215,7 +6337,9 @@
       <p:sp>
         <p:nvSpPr>
           <p:cNvPr id="227" name="Zástupný obsah 2"/>
-          <p:cNvSpPr txBox="1"/>
+          <p:cNvSpPr txBox="1">
+            <a:spLocks noGrp="1"/>
+          </p:cNvSpPr>
           <p:nvPr>
             <p:ph type="body" idx="1"/>
           </p:nvPr>
@@ -6241,7 +6365,6 @@
             </a:lvl1pPr>
           </a:lstStyle>
           <a:p>
-            <a:pPr/>
             <a:r>
               <a:t>GitHub - https://github.com/OlegStrokan/vspj-project</a:t>
             </a:r>
@@ -6253,12 +6376,12 @@
   <p:clrMapOvr>
     <a:masterClrMapping/>
   </p:clrMapOvr>
-  <p:transition xmlns:p14="http://schemas.microsoft.com/office/powerpoint/2010/main" spd="med" advClick="1"/>
+  <p:transition spd="med"/>
 </p:sld>
 </file>
 
 <file path=ppt/slides/slide3.xml><?xml version="1.0" encoding="utf-8"?>
-<p:sld xmlns:a="http://schemas.openxmlformats.org/drawingml/2006/main" xmlns:r="http://schemas.openxmlformats.org/officeDocument/2006/relationships" xmlns:p="http://schemas.openxmlformats.org/presentationml/2006/main" xmlns:m="http://schemas.openxmlformats.org/officeDocument/2006/math" xmlns:a14="http://schemas.microsoft.com/office/drawing/2010/main" showMasterSp="1" showMasterPhAnim="1">
+<p:sld xmlns:a="http://schemas.openxmlformats.org/drawingml/2006/main" xmlns:r="http://schemas.openxmlformats.org/officeDocument/2006/relationships" xmlns:p="http://schemas.openxmlformats.org/presentationml/2006/main">
   <p:cSld>
     <p:spTree>
       <p:nvGrpSpPr>
@@ -6277,7 +6400,9 @@
       <p:sp>
         <p:nvSpPr>
           <p:cNvPr id="229" name="Nadpis 1"/>
-          <p:cNvSpPr txBox="1"/>
+          <p:cNvSpPr txBox="1">
+            <a:spLocks noGrp="1"/>
+          </p:cNvSpPr>
           <p:nvPr>
             <p:ph type="title"/>
           </p:nvPr>
@@ -6295,7 +6420,6 @@
           <a:bodyPr/>
           <a:lstStyle/>
           <a:p>
-            <a:pPr/>
             <a:r>
               <a:t>DoR – Definition of Ready</a:t>
             </a:r>
@@ -6305,7 +6429,9 @@
       <p:sp>
         <p:nvSpPr>
           <p:cNvPr id="230" name="Zástupný obsah 2"/>
-          <p:cNvSpPr txBox="1"/>
+          <p:cNvSpPr txBox="1">
+            <a:spLocks noGrp="1"/>
+          </p:cNvSpPr>
           <p:nvPr>
             <p:ph type="body" idx="1"/>
           </p:nvPr>
@@ -6389,12 +6515,12 @@
   <p:clrMapOvr>
     <a:masterClrMapping/>
   </p:clrMapOvr>
-  <p:transition xmlns:p14="http://schemas.microsoft.com/office/powerpoint/2010/main" spd="med" advClick="1"/>
+  <p:transition spd="med"/>
 </p:sld>
 </file>
 
 <file path=ppt/slides/slide4.xml><?xml version="1.0" encoding="utf-8"?>
-<p:sld xmlns:a="http://schemas.openxmlformats.org/drawingml/2006/main" xmlns:r="http://schemas.openxmlformats.org/officeDocument/2006/relationships" xmlns:p="http://schemas.openxmlformats.org/presentationml/2006/main" xmlns:m="http://schemas.openxmlformats.org/officeDocument/2006/math" xmlns:a14="http://schemas.microsoft.com/office/drawing/2010/main" showMasterSp="1" showMasterPhAnim="1">
+<p:sld xmlns:a="http://schemas.openxmlformats.org/drawingml/2006/main" xmlns:r="http://schemas.openxmlformats.org/officeDocument/2006/relationships" xmlns:p="http://schemas.openxmlformats.org/presentationml/2006/main">
   <p:cSld>
     <p:spTree>
       <p:nvGrpSpPr>
@@ -6413,7 +6539,9 @@
       <p:sp>
         <p:nvSpPr>
           <p:cNvPr id="232" name="Nadpis 1"/>
-          <p:cNvSpPr txBox="1"/>
+          <p:cNvSpPr txBox="1">
+            <a:spLocks noGrp="1"/>
+          </p:cNvSpPr>
           <p:nvPr>
             <p:ph type="title"/>
           </p:nvPr>
@@ -6431,7 +6559,6 @@
           <a:bodyPr/>
           <a:lstStyle/>
           <a:p>
-            <a:pPr/>
             <a:r>
               <a:t>DoD – Definition of Done</a:t>
             </a:r>
@@ -6441,7 +6568,9 @@
       <p:sp>
         <p:nvSpPr>
           <p:cNvPr id="233" name="Zástupný obsah 2"/>
-          <p:cNvSpPr txBox="1"/>
+          <p:cNvSpPr txBox="1">
+            <a:spLocks noGrp="1"/>
+          </p:cNvSpPr>
           <p:nvPr>
             <p:ph type="body" idx="1"/>
           </p:nvPr>
@@ -6525,12 +6654,12 @@
   <p:clrMapOvr>
     <a:masterClrMapping/>
   </p:clrMapOvr>
-  <p:transition xmlns:p14="http://schemas.microsoft.com/office/powerpoint/2010/main" spd="med" advClick="1"/>
+  <p:transition spd="med"/>
 </p:sld>
 </file>
 
 <file path=ppt/slides/slide5.xml><?xml version="1.0" encoding="utf-8"?>
-<p:sld xmlns:a="http://schemas.openxmlformats.org/drawingml/2006/main" xmlns:r="http://schemas.openxmlformats.org/officeDocument/2006/relationships" xmlns:p="http://schemas.openxmlformats.org/presentationml/2006/main" xmlns:m="http://schemas.openxmlformats.org/officeDocument/2006/math" xmlns:a14="http://schemas.microsoft.com/office/drawing/2010/main" showMasterSp="1" showMasterPhAnim="1">
+<p:sld xmlns:a="http://schemas.openxmlformats.org/drawingml/2006/main" xmlns:r="http://schemas.openxmlformats.org/officeDocument/2006/relationships" xmlns:p="http://schemas.openxmlformats.org/presentationml/2006/main">
   <p:cSld>
     <p:spTree>
       <p:nvGrpSpPr>
@@ -6549,7 +6678,9 @@
       <p:sp>
         <p:nvSpPr>
           <p:cNvPr id="235" name="Nadpis 1"/>
-          <p:cNvSpPr txBox="1"/>
+          <p:cNvSpPr txBox="1">
+            <a:spLocks noGrp="1"/>
+          </p:cNvSpPr>
           <p:nvPr>
             <p:ph type="title"/>
           </p:nvPr>
@@ -6571,7 +6702,6 @@
             </a:lvl1pPr>
           </a:lstStyle>
           <a:p>
-            <a:pPr/>
             <a:r>
               <a:t>Business model</a:t>
             </a:r>
@@ -6587,9 +6717,7 @@
           <p:nvPr/>
         </p:nvPicPr>
         <p:blipFill>
-          <a:blip r:embed="rId2">
-            <a:extLst/>
-          </a:blip>
+          <a:blip r:embed="rId2"/>
           <a:stretch>
             <a:fillRect/>
           </a:stretch>
@@ -6612,12 +6740,12 @@
   <p:clrMapOvr>
     <a:masterClrMapping/>
   </p:clrMapOvr>
-  <p:transition xmlns:p14="http://schemas.microsoft.com/office/powerpoint/2010/main" spd="med" advClick="1"/>
+  <p:transition spd="med"/>
 </p:sld>
 </file>
 
 <file path=ppt/slides/slide6.xml><?xml version="1.0" encoding="utf-8"?>
-<p:sld xmlns:a="http://schemas.openxmlformats.org/drawingml/2006/main" xmlns:r="http://schemas.openxmlformats.org/officeDocument/2006/relationships" xmlns:p="http://schemas.openxmlformats.org/presentationml/2006/main" xmlns:m="http://schemas.openxmlformats.org/officeDocument/2006/math" xmlns:a14="http://schemas.microsoft.com/office/drawing/2010/main" showMasterSp="1" showMasterPhAnim="1">
+<p:sld xmlns:a="http://schemas.openxmlformats.org/drawingml/2006/main" xmlns:r="http://schemas.openxmlformats.org/officeDocument/2006/relationships" xmlns:p="http://schemas.openxmlformats.org/presentationml/2006/main">
   <p:cSld>
     <p:spTree>
       <p:nvGrpSpPr>
@@ -6636,7 +6764,9 @@
       <p:sp>
         <p:nvSpPr>
           <p:cNvPr id="238" name="Nadpis 1"/>
-          <p:cNvSpPr txBox="1"/>
+          <p:cNvSpPr txBox="1">
+            <a:spLocks noGrp="1"/>
+          </p:cNvSpPr>
           <p:nvPr>
             <p:ph type="title"/>
           </p:nvPr>
@@ -6654,7 +6784,6 @@
           <a:bodyPr/>
           <a:lstStyle/>
           <a:p>
-            <a:pPr/>
             <a:r>
               <a:t>GitHub</a:t>
             </a:r>
@@ -6670,9 +6799,7 @@
           <p:nvPr/>
         </p:nvPicPr>
         <p:blipFill>
-          <a:blip r:embed="rId2">
-            <a:extLst/>
-          </a:blip>
+          <a:blip r:embed="rId2"/>
           <a:stretch>
             <a:fillRect/>
           </a:stretch>
@@ -6695,12 +6822,12 @@
   <p:clrMapOvr>
     <a:masterClrMapping/>
   </p:clrMapOvr>
-  <p:transition xmlns:p14="http://schemas.microsoft.com/office/powerpoint/2010/main" spd="med" advClick="1"/>
+  <p:transition spd="med"/>
 </p:sld>
 </file>
 
 <file path=ppt/slides/slide7.xml><?xml version="1.0" encoding="utf-8"?>
-<p:sld xmlns:a="http://schemas.openxmlformats.org/drawingml/2006/main" xmlns:r="http://schemas.openxmlformats.org/officeDocument/2006/relationships" xmlns:p="http://schemas.openxmlformats.org/presentationml/2006/main" xmlns:m="http://schemas.openxmlformats.org/officeDocument/2006/math" xmlns:a14="http://schemas.microsoft.com/office/drawing/2010/main" showMasterSp="1" showMasterPhAnim="1">
+<p:sld xmlns:a="http://schemas.openxmlformats.org/drawingml/2006/main" xmlns:r="http://schemas.openxmlformats.org/officeDocument/2006/relationships" xmlns:p="http://schemas.openxmlformats.org/presentationml/2006/main">
   <p:cSld>
     <p:spTree>
       <p:nvGrpSpPr>
@@ -6719,7 +6846,9 @@
       <p:sp>
         <p:nvSpPr>
           <p:cNvPr id="241" name="Nadpis 1"/>
-          <p:cNvSpPr txBox="1"/>
+          <p:cNvSpPr txBox="1">
+            <a:spLocks noGrp="1"/>
+          </p:cNvSpPr>
           <p:nvPr>
             <p:ph type="title"/>
           </p:nvPr>
@@ -6737,7 +6866,6 @@
           <a:bodyPr/>
           <a:lstStyle/>
           <a:p>
-            <a:pPr/>
             <a:r>
               <a:t>Role</a:t>
             </a:r>
@@ -6747,7 +6875,9 @@
       <p:sp>
         <p:nvSpPr>
           <p:cNvPr id="242" name="Zástupný obsah 2"/>
-          <p:cNvSpPr txBox="1"/>
+          <p:cNvSpPr txBox="1">
+            <a:spLocks noGrp="1"/>
+          </p:cNvSpPr>
           <p:nvPr>
             <p:ph type="body" idx="1"/>
           </p:nvPr>
@@ -6775,10 +6905,8 @@
               </a:defRPr>
             </a:pPr>
             <a:r>
-              <a:t>Role</a:t>
-            </a:r>
-            <a:r>
-              <a:t>:</a:t>
+              <a:rPr dirty="0"/>
+              <a:t>Role:</a:t>
             </a:r>
           </a:p>
           <a:p>
@@ -6790,8 +6918,14 @@
               </a:defRPr>
             </a:pPr>
             <a:r>
-              <a:t>Scrum master – Emil Alimbekov</a:t>
-            </a:r>
+              <a:rPr dirty="0"/>
+              <a:t>Scrum master – Emil </a:t>
+            </a:r>
+            <a:r>
+              <a:rPr dirty="0" err="1"/>
+              <a:t>Alimbekov</a:t>
+            </a:r>
+            <a:endParaRPr dirty="0"/>
           </a:p>
           <a:p>
             <a:pPr>
@@ -6802,6 +6936,7 @@
               </a:defRPr>
             </a:pPr>
             <a:r>
+              <a:rPr dirty="0"/>
               <a:t>Product owner – Nikita Silko</a:t>
             </a:r>
           </a:p>
@@ -6814,8 +6949,14 @@
               </a:defRPr>
             </a:pPr>
             <a:r>
-              <a:t>Team member – Alisher Iskakov</a:t>
-            </a:r>
+              <a:rPr dirty="0"/>
+              <a:t>Team member – Alisher </a:t>
+            </a:r>
+            <a:r>
+              <a:rPr dirty="0" err="1"/>
+              <a:t>Iskakov</a:t>
+            </a:r>
+            <a:endParaRPr dirty="0"/>
           </a:p>
           <a:p>
             <a:pPr>
@@ -6826,7 +6967,16 @@
               </a:defRPr>
             </a:pPr>
             <a:r>
-              <a:t>Team member – Yehor Hora</a:t>
+              <a:rPr dirty="0"/>
+              <a:t>Team member – Yehor Ho</a:t>
+            </a:r>
+            <a:r>
+              <a:rPr lang="en-US" dirty="0"/>
+              <a:t>d</a:t>
+            </a:r>
+            <a:r>
+              <a:rPr dirty="0"/>
+              <a:t>a</a:t>
             </a:r>
           </a:p>
           <a:p>
@@ -6838,8 +6988,14 @@
               </a:defRPr>
             </a:pPr>
             <a:r>
-              <a:t>Team member – Oleh Strokan</a:t>
-            </a:r>
+              <a:rPr dirty="0"/>
+              <a:t>Team member – Oleh </a:t>
+            </a:r>
+            <a:r>
+              <a:rPr dirty="0" err="1"/>
+              <a:t>Strokan</a:t>
+            </a:r>
+            <a:endParaRPr dirty="0"/>
           </a:p>
         </p:txBody>
       </p:sp>
@@ -6848,12 +7004,12 @@
   <p:clrMapOvr>
     <a:masterClrMapping/>
   </p:clrMapOvr>
-  <p:transition xmlns:p14="http://schemas.microsoft.com/office/powerpoint/2010/main" spd="med" advClick="1"/>
+  <p:transition spd="med"/>
 </p:sld>
 </file>
 
 <file path=ppt/slides/slide8.xml><?xml version="1.0" encoding="utf-8"?>
-<p:sld xmlns:a="http://schemas.openxmlformats.org/drawingml/2006/main" xmlns:r="http://schemas.openxmlformats.org/officeDocument/2006/relationships" xmlns:p="http://schemas.openxmlformats.org/presentationml/2006/main" xmlns:m="http://schemas.openxmlformats.org/officeDocument/2006/math" xmlns:a14="http://schemas.microsoft.com/office/drawing/2010/main" showMasterSp="1" showMasterPhAnim="1">
+<p:sld xmlns:a="http://schemas.openxmlformats.org/drawingml/2006/main" xmlns:r="http://schemas.openxmlformats.org/officeDocument/2006/relationships" xmlns:p="http://schemas.openxmlformats.org/presentationml/2006/main">
   <p:cSld>
     <p:spTree>
       <p:nvGrpSpPr>
@@ -6872,7 +7028,9 @@
       <p:sp>
         <p:nvSpPr>
           <p:cNvPr id="244" name="Nadpis 1"/>
-          <p:cNvSpPr txBox="1"/>
+          <p:cNvSpPr txBox="1">
+            <a:spLocks noGrp="1"/>
+          </p:cNvSpPr>
           <p:nvPr>
             <p:ph type="title"/>
           </p:nvPr>
@@ -6890,7 +7048,6 @@
           <a:bodyPr/>
           <a:lstStyle/>
           <a:p>
-            <a:pPr/>
             <a:r>
               <a:t>SCRUM</a:t>
             </a:r>
@@ -6906,9 +7063,7 @@
           <p:nvPr/>
         </p:nvPicPr>
         <p:blipFill>
-          <a:blip r:embed="rId2">
-            <a:extLst/>
-          </a:blip>
+          <a:blip r:embed="rId2"/>
           <a:stretch>
             <a:fillRect/>
           </a:stretch>
@@ -6931,12 +7086,12 @@
   <p:clrMapOvr>
     <a:masterClrMapping/>
   </p:clrMapOvr>
-  <p:transition xmlns:p14="http://schemas.microsoft.com/office/powerpoint/2010/main" spd="med" advClick="1"/>
+  <p:transition spd="med"/>
 </p:sld>
 </file>
 
 <file path=ppt/slides/slide9.xml><?xml version="1.0" encoding="utf-8"?>
-<p:sld xmlns:a="http://schemas.openxmlformats.org/drawingml/2006/main" xmlns:r="http://schemas.openxmlformats.org/officeDocument/2006/relationships" xmlns:p="http://schemas.openxmlformats.org/presentationml/2006/main" xmlns:m="http://schemas.openxmlformats.org/officeDocument/2006/math" xmlns:a14="http://schemas.microsoft.com/office/drawing/2010/main" showMasterSp="1" showMasterPhAnim="1">
+<p:sld xmlns:a="http://schemas.openxmlformats.org/drawingml/2006/main" xmlns:r="http://schemas.openxmlformats.org/officeDocument/2006/relationships" xmlns:p="http://schemas.openxmlformats.org/presentationml/2006/main">
   <p:cSld>
     <p:spTree>
       <p:nvGrpSpPr>
@@ -6955,7 +7110,9 @@
       <p:sp>
         <p:nvSpPr>
           <p:cNvPr id="247" name="Zástupný obsah 2"/>
-          <p:cNvSpPr txBox="1"/>
+          <p:cNvSpPr txBox="1">
+            <a:spLocks noGrp="1"/>
+          </p:cNvSpPr>
           <p:nvPr>
             <p:ph type="body" sz="half" idx="1"/>
           </p:nvPr>
@@ -6983,10 +7140,7 @@
               </a:defRPr>
             </a:pPr>
             <a:r>
-              <a:t>DĚKUJEME ZA POZORNOST</a:t>
-            </a:r>
-            <a:r>
-              <a:t>!</a:t>
+              <a:t>DĚKUJEME ZA POZORNOST!</a:t>
             </a:r>
           </a:p>
         </p:txBody>
@@ -6996,12 +7150,12 @@
   <p:clrMapOvr>
     <a:masterClrMapping/>
   </p:clrMapOvr>
-  <p:transition xmlns:p14="http://schemas.microsoft.com/office/powerpoint/2010/main" spd="med" advClick="1"/>
+  <p:transition spd="med"/>
 </p:sld>
 </file>
 
 <file path=ppt/theme/theme1.xml><?xml version="1.0" encoding="utf-8"?>
-<a:theme xmlns:a="http://schemas.openxmlformats.org/drawingml/2006/main" xmlns:r="http://schemas.openxmlformats.org/officeDocument/2006/relationships" name="Berlín">
+<a:theme xmlns:a="http://schemas.openxmlformats.org/drawingml/2006/main" name="Berlín">
   <a:themeElements>
     <a:clrScheme name="Berlín">
       <a:dk1>
@@ -7203,7 +7357,7 @@
         <a:effectLst/>
         <a:sp3d/>
       </a:spPr>
-      <a:bodyPr rot="0" spcFirstLastPara="1" vertOverflow="overflow" horzOverflow="overflow" vert="horz" wrap="square" lIns="45719" tIns="45719" rIns="45719" bIns="45719" numCol="1" spcCol="38100" rtlCol="0" anchor="ctr" upright="0">
+      <a:bodyPr rot="0" spcFirstLastPara="1" vertOverflow="overflow" horzOverflow="overflow" vert="horz" wrap="square" lIns="45719" tIns="45719" rIns="45719" bIns="45719" numCol="1" spcCol="38100" rtlCol="0" anchor="ctr">
         <a:spAutoFit/>
       </a:bodyPr>
       <a:lstStyle>
@@ -7222,7 +7376,7 @@
           <a:buFontTx/>
           <a:buNone/>
           <a:tabLst/>
-          <a:defRPr b="0" baseline="0" cap="none" i="0" spc="0" strike="noStrike" sz="1800" u="none" kumimoji="0" normalizeH="0">
+          <a:defRPr kumimoji="0" sz="1800" b="0" i="0" u="none" strike="noStrike" cap="none" spc="0" normalizeH="0" baseline="0">
             <a:ln>
               <a:noFill/>
             </a:ln>
@@ -7252,7 +7406,7 @@
           <a:buFontTx/>
           <a:buNone/>
           <a:tabLst/>
-          <a:defRPr b="0" baseline="0" cap="none" i="0" spc="0" strike="noStrike" sz="1800" u="none" kumimoji="0" normalizeH="0">
+          <a:defRPr kumimoji="0" sz="1800" b="0" i="0" u="none" strike="noStrike" cap="none" spc="0" normalizeH="0" baseline="0">
             <a:ln>
               <a:noFill/>
             </a:ln>
@@ -7278,7 +7432,7 @@
           <a:buFontTx/>
           <a:buNone/>
           <a:tabLst/>
-          <a:defRPr b="0" baseline="0" cap="none" i="0" spc="0" strike="noStrike" sz="1800" u="none" kumimoji="0" normalizeH="0">
+          <a:defRPr kumimoji="0" sz="1800" b="0" i="0" u="none" strike="noStrike" cap="none" spc="0" normalizeH="0" baseline="0">
             <a:ln>
               <a:noFill/>
             </a:ln>
@@ -7304,7 +7458,7 @@
           <a:buFontTx/>
           <a:buNone/>
           <a:tabLst/>
-          <a:defRPr b="0" baseline="0" cap="none" i="0" spc="0" strike="noStrike" sz="1800" u="none" kumimoji="0" normalizeH="0">
+          <a:defRPr kumimoji="0" sz="1800" b="0" i="0" u="none" strike="noStrike" cap="none" spc="0" normalizeH="0" baseline="0">
             <a:ln>
               <a:noFill/>
             </a:ln>
@@ -7330,7 +7484,7 @@
           <a:buFontTx/>
           <a:buNone/>
           <a:tabLst/>
-          <a:defRPr b="0" baseline="0" cap="none" i="0" spc="0" strike="noStrike" sz="1800" u="none" kumimoji="0" normalizeH="0">
+          <a:defRPr kumimoji="0" sz="1800" b="0" i="0" u="none" strike="noStrike" cap="none" spc="0" normalizeH="0" baseline="0">
             <a:ln>
               <a:noFill/>
             </a:ln>
@@ -7356,7 +7510,7 @@
           <a:buFontTx/>
           <a:buNone/>
           <a:tabLst/>
-          <a:defRPr b="0" baseline="0" cap="none" i="0" spc="0" strike="noStrike" sz="1800" u="none" kumimoji="0" normalizeH="0">
+          <a:defRPr kumimoji="0" sz="1800" b="0" i="0" u="none" strike="noStrike" cap="none" spc="0" normalizeH="0" baseline="0">
             <a:ln>
               <a:noFill/>
             </a:ln>
@@ -7382,7 +7536,7 @@
           <a:buFontTx/>
           <a:buNone/>
           <a:tabLst/>
-          <a:defRPr b="0" baseline="0" cap="none" i="0" spc="0" strike="noStrike" sz="1800" u="none" kumimoji="0" normalizeH="0">
+          <a:defRPr kumimoji="0" sz="1800" b="0" i="0" u="none" strike="noStrike" cap="none" spc="0" normalizeH="0" baseline="0">
             <a:ln>
               <a:noFill/>
             </a:ln>
@@ -7408,7 +7562,7 @@
           <a:buFontTx/>
           <a:buNone/>
           <a:tabLst/>
-          <a:defRPr b="0" baseline="0" cap="none" i="0" spc="0" strike="noStrike" sz="1800" u="none" kumimoji="0" normalizeH="0">
+          <a:defRPr kumimoji="0" sz="1800" b="0" i="0" u="none" strike="noStrike" cap="none" spc="0" normalizeH="0" baseline="0">
             <a:ln>
               <a:noFill/>
             </a:ln>
@@ -7434,7 +7588,7 @@
           <a:buFontTx/>
           <a:buNone/>
           <a:tabLst/>
-          <a:defRPr b="0" baseline="0" cap="none" i="0" spc="0" strike="noStrike" sz="1800" u="none" kumimoji="0" normalizeH="0">
+          <a:defRPr kumimoji="0" sz="1800" b="0" i="0" u="none" strike="noStrike" cap="none" spc="0" normalizeH="0" baseline="0">
             <a:ln>
               <a:noFill/>
             </a:ln>
@@ -7460,7 +7614,7 @@
           <a:buFontTx/>
           <a:buNone/>
           <a:tabLst/>
-          <a:defRPr b="0" baseline="0" cap="none" i="0" spc="0" strike="noStrike" sz="1800" u="none" kumimoji="0" normalizeH="0">
+          <a:defRPr kumimoji="0" sz="1800" b="0" i="0" u="none" strike="noStrike" cap="none" spc="0" normalizeH="0" baseline="0">
             <a:ln>
               <a:noFill/>
             </a:ln>
@@ -7473,9 +7627,15 @@
         </a:lvl9pPr>
       </a:lstStyle>
       <a:style>
-        <a:lnRef idx="0"/>
-        <a:fillRef idx="0"/>
-        <a:effectRef idx="0"/>
+        <a:lnRef idx="0">
+          <a:scrgbClr r="0" g="0" b="0"/>
+        </a:lnRef>
+        <a:fillRef idx="0">
+          <a:scrgbClr r="0" g="0" b="0"/>
+        </a:fillRef>
+        <a:effectRef idx="0">
+          <a:scrgbClr r="0" g="0" b="0"/>
+        </a:effectRef>
         <a:fontRef idx="none"/>
       </a:style>
     </a:spDef>
@@ -7492,7 +7652,7 @@
         <a:effectLst/>
         <a:sp3d/>
       </a:spPr>
-      <a:bodyPr rot="0" spcFirstLastPara="1" vertOverflow="overflow" horzOverflow="overflow" vert="horz" wrap="square" lIns="91439" tIns="45719" rIns="91439" bIns="45719" numCol="1" spcCol="38100" rtlCol="0" anchor="t" upright="0">
+      <a:bodyPr rot="0" spcFirstLastPara="1" vertOverflow="overflow" horzOverflow="overflow" vert="horz" wrap="square" lIns="91439" tIns="45719" rIns="91439" bIns="45719" numCol="1" spcCol="38100" rtlCol="0" anchor="t">
         <a:noAutofit/>
       </a:bodyPr>
       <a:lstStyle>
@@ -7511,7 +7671,7 @@
           <a:buFontTx/>
           <a:buNone/>
           <a:tabLst/>
-          <a:defRPr b="0" baseline="0" cap="none" i="0" spc="0" strike="noStrike" sz="1800" u="none" kumimoji="0" normalizeH="0">
+          <a:defRPr kumimoji="0" sz="1800" b="0" i="0" u="none" strike="noStrike" cap="none" spc="0" normalizeH="0" baseline="0">
             <a:ln>
               <a:noFill/>
             </a:ln>
@@ -7537,7 +7697,7 @@
           <a:buFontTx/>
           <a:buNone/>
           <a:tabLst/>
-          <a:defRPr b="0" baseline="0" cap="none" i="0" spc="0" strike="noStrike" sz="1800" u="none" kumimoji="0" normalizeH="0">
+          <a:defRPr kumimoji="0" sz="1800" b="0" i="0" u="none" strike="noStrike" cap="none" spc="0" normalizeH="0" baseline="0">
             <a:ln>
               <a:noFill/>
             </a:ln>
@@ -7563,7 +7723,7 @@
           <a:buFontTx/>
           <a:buNone/>
           <a:tabLst/>
-          <a:defRPr b="0" baseline="0" cap="none" i="0" spc="0" strike="noStrike" sz="1800" u="none" kumimoji="0" normalizeH="0">
+          <a:defRPr kumimoji="0" sz="1800" b="0" i="0" u="none" strike="noStrike" cap="none" spc="0" normalizeH="0" baseline="0">
             <a:ln>
               <a:noFill/>
             </a:ln>
@@ -7589,7 +7749,7 @@
           <a:buFontTx/>
           <a:buNone/>
           <a:tabLst/>
-          <a:defRPr b="0" baseline="0" cap="none" i="0" spc="0" strike="noStrike" sz="1800" u="none" kumimoji="0" normalizeH="0">
+          <a:defRPr kumimoji="0" sz="1800" b="0" i="0" u="none" strike="noStrike" cap="none" spc="0" normalizeH="0" baseline="0">
             <a:ln>
               <a:noFill/>
             </a:ln>
@@ -7615,7 +7775,7 @@
           <a:buFontTx/>
           <a:buNone/>
           <a:tabLst/>
-          <a:defRPr b="0" baseline="0" cap="none" i="0" spc="0" strike="noStrike" sz="1800" u="none" kumimoji="0" normalizeH="0">
+          <a:defRPr kumimoji="0" sz="1800" b="0" i="0" u="none" strike="noStrike" cap="none" spc="0" normalizeH="0" baseline="0">
             <a:ln>
               <a:noFill/>
             </a:ln>
@@ -7641,7 +7801,7 @@
           <a:buFontTx/>
           <a:buNone/>
           <a:tabLst/>
-          <a:defRPr b="0" baseline="0" cap="none" i="0" spc="0" strike="noStrike" sz="1800" u="none" kumimoji="0" normalizeH="0">
+          <a:defRPr kumimoji="0" sz="1800" b="0" i="0" u="none" strike="noStrike" cap="none" spc="0" normalizeH="0" baseline="0">
             <a:ln>
               <a:noFill/>
             </a:ln>
@@ -7667,7 +7827,7 @@
           <a:buFontTx/>
           <a:buNone/>
           <a:tabLst/>
-          <a:defRPr b="0" baseline="0" cap="none" i="0" spc="0" strike="noStrike" sz="1800" u="none" kumimoji="0" normalizeH="0">
+          <a:defRPr kumimoji="0" sz="1800" b="0" i="0" u="none" strike="noStrike" cap="none" spc="0" normalizeH="0" baseline="0">
             <a:ln>
               <a:noFill/>
             </a:ln>
@@ -7693,7 +7853,7 @@
           <a:buFontTx/>
           <a:buNone/>
           <a:tabLst/>
-          <a:defRPr b="0" baseline="0" cap="none" i="0" spc="0" strike="noStrike" sz="1800" u="none" kumimoji="0" normalizeH="0">
+          <a:defRPr kumimoji="0" sz="1800" b="0" i="0" u="none" strike="noStrike" cap="none" spc="0" normalizeH="0" baseline="0">
             <a:ln>
               <a:noFill/>
             </a:ln>
@@ -7719,7 +7879,7 @@
           <a:buFontTx/>
           <a:buNone/>
           <a:tabLst/>
-          <a:defRPr b="0" baseline="0" cap="none" i="0" spc="0" strike="noStrike" sz="1800" u="none" kumimoji="0" normalizeH="0">
+          <a:defRPr kumimoji="0" sz="1800" b="0" i="0" u="none" strike="noStrike" cap="none" spc="0" normalizeH="0" baseline="0">
             <a:ln>
               <a:noFill/>
             </a:ln>
@@ -7745,7 +7905,7 @@
           <a:buFontTx/>
           <a:buNone/>
           <a:tabLst/>
-          <a:defRPr b="0" baseline="0" cap="none" i="0" spc="0" strike="noStrike" sz="1800" u="none" kumimoji="0" normalizeH="0">
+          <a:defRPr kumimoji="0" sz="1800" b="0" i="0" u="none" strike="noStrike" cap="none" spc="0" normalizeH="0" baseline="0">
             <a:ln>
               <a:noFill/>
             </a:ln>
@@ -7758,9 +7918,15 @@
         </a:lvl9pPr>
       </a:lstStyle>
       <a:style>
-        <a:lnRef idx="0"/>
-        <a:fillRef idx="0"/>
-        <a:effectRef idx="0"/>
+        <a:lnRef idx="0">
+          <a:scrgbClr r="0" g="0" b="0"/>
+        </a:lnRef>
+        <a:fillRef idx="0">
+          <a:scrgbClr r="0" g="0" b="0"/>
+        </a:fillRef>
+        <a:effectRef idx="0">
+          <a:scrgbClr r="0" g="0" b="0"/>
+        </a:effectRef>
         <a:fontRef idx="none"/>
       </a:style>
     </a:lnDef>
@@ -7774,7 +7940,7 @@
         <a:effectLst/>
         <a:sp3d/>
       </a:spPr>
-      <a:bodyPr rot="0" spcFirstLastPara="1" vertOverflow="overflow" horzOverflow="overflow" vert="horz" wrap="square" lIns="45719" tIns="45719" rIns="45719" bIns="45719" numCol="1" spcCol="38100" rtlCol="0" anchor="t" upright="0">
+      <a:bodyPr rot="0" spcFirstLastPara="1" vertOverflow="overflow" horzOverflow="overflow" vert="horz" wrap="square" lIns="45719" tIns="45719" rIns="45719" bIns="45719" numCol="1" spcCol="38100" rtlCol="0" anchor="t">
         <a:spAutoFit/>
       </a:bodyPr>
       <a:lstStyle>
@@ -7793,7 +7959,7 @@
           <a:buFontTx/>
           <a:buNone/>
           <a:tabLst/>
-          <a:defRPr b="0" baseline="0" cap="none" i="0" spc="0" strike="noStrike" sz="1800" u="none" kumimoji="0" normalizeH="0">
+          <a:defRPr kumimoji="0" sz="1800" b="0" i="0" u="none" strike="noStrike" cap="none" spc="0" normalizeH="0" baseline="0">
             <a:ln>
               <a:noFill/>
             </a:ln>
@@ -7823,7 +7989,7 @@
           <a:buFontTx/>
           <a:buNone/>
           <a:tabLst/>
-          <a:defRPr b="0" baseline="0" cap="none" i="0" spc="0" strike="noStrike" sz="1800" u="none" kumimoji="0" normalizeH="0">
+          <a:defRPr kumimoji="0" sz="1800" b="0" i="0" u="none" strike="noStrike" cap="none" spc="0" normalizeH="0" baseline="0">
             <a:ln>
               <a:noFill/>
             </a:ln>
@@ -7849,7 +8015,7 @@
           <a:buFontTx/>
           <a:buNone/>
           <a:tabLst/>
-          <a:defRPr b="0" baseline="0" cap="none" i="0" spc="0" strike="noStrike" sz="1800" u="none" kumimoji="0" normalizeH="0">
+          <a:defRPr kumimoji="0" sz="1800" b="0" i="0" u="none" strike="noStrike" cap="none" spc="0" normalizeH="0" baseline="0">
             <a:ln>
               <a:noFill/>
             </a:ln>
@@ -7875,7 +8041,7 @@
           <a:buFontTx/>
           <a:buNone/>
           <a:tabLst/>
-          <a:defRPr b="0" baseline="0" cap="none" i="0" spc="0" strike="noStrike" sz="1800" u="none" kumimoji="0" normalizeH="0">
+          <a:defRPr kumimoji="0" sz="1800" b="0" i="0" u="none" strike="noStrike" cap="none" spc="0" normalizeH="0" baseline="0">
             <a:ln>
               <a:noFill/>
             </a:ln>
@@ -7901,7 +8067,7 @@
           <a:buFontTx/>
           <a:buNone/>
           <a:tabLst/>
-          <a:defRPr b="0" baseline="0" cap="none" i="0" spc="0" strike="noStrike" sz="1800" u="none" kumimoji="0" normalizeH="0">
+          <a:defRPr kumimoji="0" sz="1800" b="0" i="0" u="none" strike="noStrike" cap="none" spc="0" normalizeH="0" baseline="0">
             <a:ln>
               <a:noFill/>
             </a:ln>
@@ -7927,7 +8093,7 @@
           <a:buFontTx/>
           <a:buNone/>
           <a:tabLst/>
-          <a:defRPr b="0" baseline="0" cap="none" i="0" spc="0" strike="noStrike" sz="1800" u="none" kumimoji="0" normalizeH="0">
+          <a:defRPr kumimoji="0" sz="1800" b="0" i="0" u="none" strike="noStrike" cap="none" spc="0" normalizeH="0" baseline="0">
             <a:ln>
               <a:noFill/>
             </a:ln>
@@ -7953,7 +8119,7 @@
           <a:buFontTx/>
           <a:buNone/>
           <a:tabLst/>
-          <a:defRPr b="0" baseline="0" cap="none" i="0" spc="0" strike="noStrike" sz="1800" u="none" kumimoji="0" normalizeH="0">
+          <a:defRPr kumimoji="0" sz="1800" b="0" i="0" u="none" strike="noStrike" cap="none" spc="0" normalizeH="0" baseline="0">
             <a:ln>
               <a:noFill/>
             </a:ln>
@@ -7979,7 +8145,7 @@
           <a:buFontTx/>
           <a:buNone/>
           <a:tabLst/>
-          <a:defRPr b="0" baseline="0" cap="none" i="0" spc="0" strike="noStrike" sz="1800" u="none" kumimoji="0" normalizeH="0">
+          <a:defRPr kumimoji="0" sz="1800" b="0" i="0" u="none" strike="noStrike" cap="none" spc="0" normalizeH="0" baseline="0">
             <a:ln>
               <a:noFill/>
             </a:ln>
@@ -8005,7 +8171,7 @@
           <a:buFontTx/>
           <a:buNone/>
           <a:tabLst/>
-          <a:defRPr b="0" baseline="0" cap="none" i="0" spc="0" strike="noStrike" sz="1800" u="none" kumimoji="0" normalizeH="0">
+          <a:defRPr kumimoji="0" sz="1800" b="0" i="0" u="none" strike="noStrike" cap="none" spc="0" normalizeH="0" baseline="0">
             <a:ln>
               <a:noFill/>
             </a:ln>
@@ -8031,7 +8197,7 @@
           <a:buFontTx/>
           <a:buNone/>
           <a:tabLst/>
-          <a:defRPr b="0" baseline="0" cap="none" i="0" spc="0" strike="noStrike" sz="1800" u="none" kumimoji="0" normalizeH="0">
+          <a:defRPr kumimoji="0" sz="1800" b="0" i="0" u="none" strike="noStrike" cap="none" spc="0" normalizeH="0" baseline="0">
             <a:ln>
               <a:noFill/>
             </a:ln>
@@ -8044,18 +8210,25 @@
         </a:lvl9pPr>
       </a:lstStyle>
       <a:style>
-        <a:lnRef idx="0"/>
-        <a:fillRef idx="0"/>
-        <a:effectRef idx="0"/>
+        <a:lnRef idx="0">
+          <a:scrgbClr r="0" g="0" b="0"/>
+        </a:lnRef>
+        <a:fillRef idx="0">
+          <a:scrgbClr r="0" g="0" b="0"/>
+        </a:fillRef>
+        <a:effectRef idx="0">
+          <a:scrgbClr r="0" g="0" b="0"/>
+        </a:effectRef>
         <a:fontRef idx="none"/>
       </a:style>
     </a:txDef>
   </a:objectDefaults>
+  <a:extraClrSchemeLst/>
 </a:theme>
 </file>
 
 <file path=ppt/theme/theme2.xml><?xml version="1.0" encoding="utf-8"?>
-<a:theme xmlns:a="http://schemas.openxmlformats.org/drawingml/2006/main" xmlns:r="http://schemas.openxmlformats.org/officeDocument/2006/relationships" name="Berlín">
+<a:theme xmlns:a="http://schemas.openxmlformats.org/drawingml/2006/main" name="Berlín">
   <a:themeElements>
     <a:clrScheme name="Berlín">
       <a:dk1>
@@ -8257,7 +8430,7 @@
         <a:effectLst/>
         <a:sp3d/>
       </a:spPr>
-      <a:bodyPr rot="0" spcFirstLastPara="1" vertOverflow="overflow" horzOverflow="overflow" vert="horz" wrap="square" lIns="45719" tIns="45719" rIns="45719" bIns="45719" numCol="1" spcCol="38100" rtlCol="0" anchor="ctr" upright="0">
+      <a:bodyPr rot="0" spcFirstLastPara="1" vertOverflow="overflow" horzOverflow="overflow" vert="horz" wrap="square" lIns="45719" tIns="45719" rIns="45719" bIns="45719" numCol="1" spcCol="38100" rtlCol="0" anchor="ctr">
         <a:spAutoFit/>
       </a:bodyPr>
       <a:lstStyle>
@@ -8276,7 +8449,7 @@
           <a:buFontTx/>
           <a:buNone/>
           <a:tabLst/>
-          <a:defRPr b="0" baseline="0" cap="none" i="0" spc="0" strike="noStrike" sz="1800" u="none" kumimoji="0" normalizeH="0">
+          <a:defRPr kumimoji="0" sz="1800" b="0" i="0" u="none" strike="noStrike" cap="none" spc="0" normalizeH="0" baseline="0">
             <a:ln>
               <a:noFill/>
             </a:ln>
@@ -8306,7 +8479,7 @@
           <a:buFontTx/>
           <a:buNone/>
           <a:tabLst/>
-          <a:defRPr b="0" baseline="0" cap="none" i="0" spc="0" strike="noStrike" sz="1800" u="none" kumimoji="0" normalizeH="0">
+          <a:defRPr kumimoji="0" sz="1800" b="0" i="0" u="none" strike="noStrike" cap="none" spc="0" normalizeH="0" baseline="0">
             <a:ln>
               <a:noFill/>
             </a:ln>
@@ -8332,7 +8505,7 @@
           <a:buFontTx/>
           <a:buNone/>
           <a:tabLst/>
-          <a:defRPr b="0" baseline="0" cap="none" i="0" spc="0" strike="noStrike" sz="1800" u="none" kumimoji="0" normalizeH="0">
+          <a:defRPr kumimoji="0" sz="1800" b="0" i="0" u="none" strike="noStrike" cap="none" spc="0" normalizeH="0" baseline="0">
             <a:ln>
               <a:noFill/>
             </a:ln>
@@ -8358,7 +8531,7 @@
           <a:buFontTx/>
           <a:buNone/>
           <a:tabLst/>
-          <a:defRPr b="0" baseline="0" cap="none" i="0" spc="0" strike="noStrike" sz="1800" u="none" kumimoji="0" normalizeH="0">
+          <a:defRPr kumimoji="0" sz="1800" b="0" i="0" u="none" strike="noStrike" cap="none" spc="0" normalizeH="0" baseline="0">
             <a:ln>
               <a:noFill/>
             </a:ln>
@@ -8384,7 +8557,7 @@
           <a:buFontTx/>
           <a:buNone/>
           <a:tabLst/>
-          <a:defRPr b="0" baseline="0" cap="none" i="0" spc="0" strike="noStrike" sz="1800" u="none" kumimoji="0" normalizeH="0">
+          <a:defRPr kumimoji="0" sz="1800" b="0" i="0" u="none" strike="noStrike" cap="none" spc="0" normalizeH="0" baseline="0">
             <a:ln>
               <a:noFill/>
             </a:ln>
@@ -8410,7 +8583,7 @@
           <a:buFontTx/>
           <a:buNone/>
           <a:tabLst/>
-          <a:defRPr b="0" baseline="0" cap="none" i="0" spc="0" strike="noStrike" sz="1800" u="none" kumimoji="0" normalizeH="0">
+          <a:defRPr kumimoji="0" sz="1800" b="0" i="0" u="none" strike="noStrike" cap="none" spc="0" normalizeH="0" baseline="0">
             <a:ln>
               <a:noFill/>
             </a:ln>
@@ -8436,7 +8609,7 @@
           <a:buFontTx/>
           <a:buNone/>
           <a:tabLst/>
-          <a:defRPr b="0" baseline="0" cap="none" i="0" spc="0" strike="noStrike" sz="1800" u="none" kumimoji="0" normalizeH="0">
+          <a:defRPr kumimoji="0" sz="1800" b="0" i="0" u="none" strike="noStrike" cap="none" spc="0" normalizeH="0" baseline="0">
             <a:ln>
               <a:noFill/>
             </a:ln>
@@ -8462,7 +8635,7 @@
           <a:buFontTx/>
           <a:buNone/>
           <a:tabLst/>
-          <a:defRPr b="0" baseline="0" cap="none" i="0" spc="0" strike="noStrike" sz="1800" u="none" kumimoji="0" normalizeH="0">
+          <a:defRPr kumimoji="0" sz="1800" b="0" i="0" u="none" strike="noStrike" cap="none" spc="0" normalizeH="0" baseline="0">
             <a:ln>
               <a:noFill/>
             </a:ln>
@@ -8488,7 +8661,7 @@
           <a:buFontTx/>
           <a:buNone/>
           <a:tabLst/>
-          <a:defRPr b="0" baseline="0" cap="none" i="0" spc="0" strike="noStrike" sz="1800" u="none" kumimoji="0" normalizeH="0">
+          <a:defRPr kumimoji="0" sz="1800" b="0" i="0" u="none" strike="noStrike" cap="none" spc="0" normalizeH="0" baseline="0">
             <a:ln>
               <a:noFill/>
             </a:ln>
@@ -8514,7 +8687,7 @@
           <a:buFontTx/>
           <a:buNone/>
           <a:tabLst/>
-          <a:defRPr b="0" baseline="0" cap="none" i="0" spc="0" strike="noStrike" sz="1800" u="none" kumimoji="0" normalizeH="0">
+          <a:defRPr kumimoji="0" sz="1800" b="0" i="0" u="none" strike="noStrike" cap="none" spc="0" normalizeH="0" baseline="0">
             <a:ln>
               <a:noFill/>
             </a:ln>
@@ -8527,9 +8700,15 @@
         </a:lvl9pPr>
       </a:lstStyle>
       <a:style>
-        <a:lnRef idx="0"/>
-        <a:fillRef idx="0"/>
-        <a:effectRef idx="0"/>
+        <a:lnRef idx="0">
+          <a:scrgbClr r="0" g="0" b="0"/>
+        </a:lnRef>
+        <a:fillRef idx="0">
+          <a:scrgbClr r="0" g="0" b="0"/>
+        </a:fillRef>
+        <a:effectRef idx="0">
+          <a:scrgbClr r="0" g="0" b="0"/>
+        </a:effectRef>
         <a:fontRef idx="none"/>
       </a:style>
     </a:spDef>
@@ -8546,7 +8725,7 @@
         <a:effectLst/>
         <a:sp3d/>
       </a:spPr>
-      <a:bodyPr rot="0" spcFirstLastPara="1" vertOverflow="overflow" horzOverflow="overflow" vert="horz" wrap="square" lIns="91439" tIns="45719" rIns="91439" bIns="45719" numCol="1" spcCol="38100" rtlCol="0" anchor="t" upright="0">
+      <a:bodyPr rot="0" spcFirstLastPara="1" vertOverflow="overflow" horzOverflow="overflow" vert="horz" wrap="square" lIns="91439" tIns="45719" rIns="91439" bIns="45719" numCol="1" spcCol="38100" rtlCol="0" anchor="t">
         <a:noAutofit/>
       </a:bodyPr>
       <a:lstStyle>
@@ -8565,7 +8744,7 @@
           <a:buFontTx/>
           <a:buNone/>
           <a:tabLst/>
-          <a:defRPr b="0" baseline="0" cap="none" i="0" spc="0" strike="noStrike" sz="1800" u="none" kumimoji="0" normalizeH="0">
+          <a:defRPr kumimoji="0" sz="1800" b="0" i="0" u="none" strike="noStrike" cap="none" spc="0" normalizeH="0" baseline="0">
             <a:ln>
               <a:noFill/>
             </a:ln>
@@ -8591,7 +8770,7 @@
           <a:buFontTx/>
           <a:buNone/>
           <a:tabLst/>
-          <a:defRPr b="0" baseline="0" cap="none" i="0" spc="0" strike="noStrike" sz="1800" u="none" kumimoji="0" normalizeH="0">
+          <a:defRPr kumimoji="0" sz="1800" b="0" i="0" u="none" strike="noStrike" cap="none" spc="0" normalizeH="0" baseline="0">
             <a:ln>
               <a:noFill/>
             </a:ln>
@@ -8617,7 +8796,7 @@
           <a:buFontTx/>
           <a:buNone/>
           <a:tabLst/>
-          <a:defRPr b="0" baseline="0" cap="none" i="0" spc="0" strike="noStrike" sz="1800" u="none" kumimoji="0" normalizeH="0">
+          <a:defRPr kumimoji="0" sz="1800" b="0" i="0" u="none" strike="noStrike" cap="none" spc="0" normalizeH="0" baseline="0">
             <a:ln>
               <a:noFill/>
             </a:ln>
@@ -8643,7 +8822,7 @@
           <a:buFontTx/>
           <a:buNone/>
           <a:tabLst/>
-          <a:defRPr b="0" baseline="0" cap="none" i="0" spc="0" strike="noStrike" sz="1800" u="none" kumimoji="0" normalizeH="0">
+          <a:defRPr kumimoji="0" sz="1800" b="0" i="0" u="none" strike="noStrike" cap="none" spc="0" normalizeH="0" baseline="0">
             <a:ln>
               <a:noFill/>
             </a:ln>
@@ -8669,7 +8848,7 @@
           <a:buFontTx/>
           <a:buNone/>
           <a:tabLst/>
-          <a:defRPr b="0" baseline="0" cap="none" i="0" spc="0" strike="noStrike" sz="1800" u="none" kumimoji="0" normalizeH="0">
+          <a:defRPr kumimoji="0" sz="1800" b="0" i="0" u="none" strike="noStrike" cap="none" spc="0" normalizeH="0" baseline="0">
             <a:ln>
               <a:noFill/>
             </a:ln>
@@ -8695,7 +8874,7 @@
           <a:buFontTx/>
           <a:buNone/>
           <a:tabLst/>
-          <a:defRPr b="0" baseline="0" cap="none" i="0" spc="0" strike="noStrike" sz="1800" u="none" kumimoji="0" normalizeH="0">
+          <a:defRPr kumimoji="0" sz="1800" b="0" i="0" u="none" strike="noStrike" cap="none" spc="0" normalizeH="0" baseline="0">
             <a:ln>
               <a:noFill/>
             </a:ln>
@@ -8721,7 +8900,7 @@
           <a:buFontTx/>
           <a:buNone/>
           <a:tabLst/>
-          <a:defRPr b="0" baseline="0" cap="none" i="0" spc="0" strike="noStrike" sz="1800" u="none" kumimoji="0" normalizeH="0">
+          <a:defRPr kumimoji="0" sz="1800" b="0" i="0" u="none" strike="noStrike" cap="none" spc="0" normalizeH="0" baseline="0">
             <a:ln>
               <a:noFill/>
             </a:ln>
@@ -8747,7 +8926,7 @@
           <a:buFontTx/>
           <a:buNone/>
           <a:tabLst/>
-          <a:defRPr b="0" baseline="0" cap="none" i="0" spc="0" strike="noStrike" sz="1800" u="none" kumimoji="0" normalizeH="0">
+          <a:defRPr kumimoji="0" sz="1800" b="0" i="0" u="none" strike="noStrike" cap="none" spc="0" normalizeH="0" baseline="0">
             <a:ln>
               <a:noFill/>
             </a:ln>
@@ -8773,7 +8952,7 @@
           <a:buFontTx/>
           <a:buNone/>
           <a:tabLst/>
-          <a:defRPr b="0" baseline="0" cap="none" i="0" spc="0" strike="noStrike" sz="1800" u="none" kumimoji="0" normalizeH="0">
+          <a:defRPr kumimoji="0" sz="1800" b="0" i="0" u="none" strike="noStrike" cap="none" spc="0" normalizeH="0" baseline="0">
             <a:ln>
               <a:noFill/>
             </a:ln>
@@ -8799,7 +8978,7 @@
           <a:buFontTx/>
           <a:buNone/>
           <a:tabLst/>
-          <a:defRPr b="0" baseline="0" cap="none" i="0" spc="0" strike="noStrike" sz="1800" u="none" kumimoji="0" normalizeH="0">
+          <a:defRPr kumimoji="0" sz="1800" b="0" i="0" u="none" strike="noStrike" cap="none" spc="0" normalizeH="0" baseline="0">
             <a:ln>
               <a:noFill/>
             </a:ln>
@@ -8812,9 +8991,15 @@
         </a:lvl9pPr>
       </a:lstStyle>
       <a:style>
-        <a:lnRef idx="0"/>
-        <a:fillRef idx="0"/>
-        <a:effectRef idx="0"/>
+        <a:lnRef idx="0">
+          <a:scrgbClr r="0" g="0" b="0"/>
+        </a:lnRef>
+        <a:fillRef idx="0">
+          <a:scrgbClr r="0" g="0" b="0"/>
+        </a:fillRef>
+        <a:effectRef idx="0">
+          <a:scrgbClr r="0" g="0" b="0"/>
+        </a:effectRef>
         <a:fontRef idx="none"/>
       </a:style>
     </a:lnDef>
@@ -8828,7 +9013,7 @@
         <a:effectLst/>
         <a:sp3d/>
       </a:spPr>
-      <a:bodyPr rot="0" spcFirstLastPara="1" vertOverflow="overflow" horzOverflow="overflow" vert="horz" wrap="square" lIns="45719" tIns="45719" rIns="45719" bIns="45719" numCol="1" spcCol="38100" rtlCol="0" anchor="t" upright="0">
+      <a:bodyPr rot="0" spcFirstLastPara="1" vertOverflow="overflow" horzOverflow="overflow" vert="horz" wrap="square" lIns="45719" tIns="45719" rIns="45719" bIns="45719" numCol="1" spcCol="38100" rtlCol="0" anchor="t">
         <a:spAutoFit/>
       </a:bodyPr>
       <a:lstStyle>
@@ -8847,7 +9032,7 @@
           <a:buFontTx/>
           <a:buNone/>
           <a:tabLst/>
-          <a:defRPr b="0" baseline="0" cap="none" i="0" spc="0" strike="noStrike" sz="1800" u="none" kumimoji="0" normalizeH="0">
+          <a:defRPr kumimoji="0" sz="1800" b="0" i="0" u="none" strike="noStrike" cap="none" spc="0" normalizeH="0" baseline="0">
             <a:ln>
               <a:noFill/>
             </a:ln>
@@ -8877,7 +9062,7 @@
           <a:buFontTx/>
           <a:buNone/>
           <a:tabLst/>
-          <a:defRPr b="0" baseline="0" cap="none" i="0" spc="0" strike="noStrike" sz="1800" u="none" kumimoji="0" normalizeH="0">
+          <a:defRPr kumimoji="0" sz="1800" b="0" i="0" u="none" strike="noStrike" cap="none" spc="0" normalizeH="0" baseline="0">
             <a:ln>
               <a:noFill/>
             </a:ln>
@@ -8903,7 +9088,7 @@
           <a:buFontTx/>
           <a:buNone/>
           <a:tabLst/>
-          <a:defRPr b="0" baseline="0" cap="none" i="0" spc="0" strike="noStrike" sz="1800" u="none" kumimoji="0" normalizeH="0">
+          <a:defRPr kumimoji="0" sz="1800" b="0" i="0" u="none" strike="noStrike" cap="none" spc="0" normalizeH="0" baseline="0">
             <a:ln>
               <a:noFill/>
             </a:ln>
@@ -8929,7 +9114,7 @@
           <a:buFontTx/>
           <a:buNone/>
           <a:tabLst/>
-          <a:defRPr b="0" baseline="0" cap="none" i="0" spc="0" strike="noStrike" sz="1800" u="none" kumimoji="0" normalizeH="0">
+          <a:defRPr kumimoji="0" sz="1800" b="0" i="0" u="none" strike="noStrike" cap="none" spc="0" normalizeH="0" baseline="0">
             <a:ln>
               <a:noFill/>
             </a:ln>
@@ -8955,7 +9140,7 @@
           <a:buFontTx/>
           <a:buNone/>
           <a:tabLst/>
-          <a:defRPr b="0" baseline="0" cap="none" i="0" spc="0" strike="noStrike" sz="1800" u="none" kumimoji="0" normalizeH="0">
+          <a:defRPr kumimoji="0" sz="1800" b="0" i="0" u="none" strike="noStrike" cap="none" spc="0" normalizeH="0" baseline="0">
             <a:ln>
               <a:noFill/>
             </a:ln>
@@ -8981,7 +9166,7 @@
           <a:buFontTx/>
           <a:buNone/>
           <a:tabLst/>
-          <a:defRPr b="0" baseline="0" cap="none" i="0" spc="0" strike="noStrike" sz="1800" u="none" kumimoji="0" normalizeH="0">
+          <a:defRPr kumimoji="0" sz="1800" b="0" i="0" u="none" strike="noStrike" cap="none" spc="0" normalizeH="0" baseline="0">
             <a:ln>
               <a:noFill/>
             </a:ln>
@@ -9007,7 +9192,7 @@
           <a:buFontTx/>
           <a:buNone/>
           <a:tabLst/>
-          <a:defRPr b="0" baseline="0" cap="none" i="0" spc="0" strike="noStrike" sz="1800" u="none" kumimoji="0" normalizeH="0">
+          <a:defRPr kumimoji="0" sz="1800" b="0" i="0" u="none" strike="noStrike" cap="none" spc="0" normalizeH="0" baseline="0">
             <a:ln>
               <a:noFill/>
             </a:ln>
@@ -9033,7 +9218,7 @@
           <a:buFontTx/>
           <a:buNone/>
           <a:tabLst/>
-          <a:defRPr b="0" baseline="0" cap="none" i="0" spc="0" strike="noStrike" sz="1800" u="none" kumimoji="0" normalizeH="0">
+          <a:defRPr kumimoji="0" sz="1800" b="0" i="0" u="none" strike="noStrike" cap="none" spc="0" normalizeH="0" baseline="0">
             <a:ln>
               <a:noFill/>
             </a:ln>
@@ -9059,7 +9244,7 @@
           <a:buFontTx/>
           <a:buNone/>
           <a:tabLst/>
-          <a:defRPr b="0" baseline="0" cap="none" i="0" spc="0" strike="noStrike" sz="1800" u="none" kumimoji="0" normalizeH="0">
+          <a:defRPr kumimoji="0" sz="1800" b="0" i="0" u="none" strike="noStrike" cap="none" spc="0" normalizeH="0" baseline="0">
             <a:ln>
               <a:noFill/>
             </a:ln>
@@ -9085,7 +9270,7 @@
           <a:buFontTx/>
           <a:buNone/>
           <a:tabLst/>
-          <a:defRPr b="0" baseline="0" cap="none" i="0" spc="0" strike="noStrike" sz="1800" u="none" kumimoji="0" normalizeH="0">
+          <a:defRPr kumimoji="0" sz="1800" b="0" i="0" u="none" strike="noStrike" cap="none" spc="0" normalizeH="0" baseline="0">
             <a:ln>
               <a:noFill/>
             </a:ln>
@@ -9098,12 +9283,19 @@
         </a:lvl9pPr>
       </a:lstStyle>
       <a:style>
-        <a:lnRef idx="0"/>
-        <a:fillRef idx="0"/>
-        <a:effectRef idx="0"/>
+        <a:lnRef idx="0">
+          <a:scrgbClr r="0" g="0" b="0"/>
+        </a:lnRef>
+        <a:fillRef idx="0">
+          <a:scrgbClr r="0" g="0" b="0"/>
+        </a:fillRef>
+        <a:effectRef idx="0">
+          <a:scrgbClr r="0" g="0" b="0"/>
+        </a:effectRef>
         <a:fontRef idx="none"/>
       </a:style>
     </a:txDef>
   </a:objectDefaults>
+  <a:extraClrSchemeLst/>
 </a:theme>
 </file>